--- a/02-appcatalogs.pptx
+++ b/02-appcatalogs.pptx
@@ -266,7 +266,7 @@
               <a:rPr lang="en-US" smtClean="0">
                 <a:latin typeface="Segoe UI" pitchFamily="34" charset="0"/>
               </a:rPr>
-              <a:t>3/14/19 1:45 PM</a:t>
+              <a:t>6/9/2019 2:04 PM</a:t>
             </a:fld>
             <a:endParaRPr lang="en-US" dirty="0">
               <a:latin typeface="Segoe UI" pitchFamily="34" charset="0"/>
@@ -563,7 +563,7 @@
           <a:p>
             <a:fld id="{D18B56EA-E28F-4F92-9F16-7A6F2501B303}" type="datetime8">
               <a:rPr lang="en-US" smtClean="0"/>
-              <a:t>3/14/19 1:45 PM</a:t>
+              <a:t>6/9/2019 2:04 PM</a:t>
             </a:fld>
             <a:endParaRPr lang="en-US" dirty="0"/>
           </a:p>
@@ -946,7 +946,7 @@
           <a:p>
             <a:fld id="{D18B56EA-E28F-4F92-9F16-7A6F2501B303}" type="datetime8">
               <a:rPr lang="en-US" smtClean="0"/>
-              <a:t>3/14/19 1:46 PM</a:t>
+              <a:t>6/9/2019 2:04 PM</a:t>
             </a:fld>
             <a:endParaRPr lang="en-US" dirty="0"/>
           </a:p>
@@ -1127,7 +1127,7 @@
           <a:p>
             <a:fld id="{D18B56EA-E28F-4F92-9F16-7A6F2501B303}" type="datetime8">
               <a:rPr lang="en-US" smtClean="0"/>
-              <a:t>3/14/19 2:49 PM</a:t>
+              <a:t>6/9/2019 2:04 PM</a:t>
             </a:fld>
             <a:endParaRPr lang="en-US" dirty="0"/>
           </a:p>
@@ -1474,7 +1474,7 @@
           <a:p>
             <a:fld id="{D18B56EA-E28F-4F92-9F16-7A6F2501B303}" type="datetime8">
               <a:rPr lang="en-US" smtClean="0"/>
-              <a:t>3/14/19 3:24 PM</a:t>
+              <a:t>6/9/2019 2:04 PM</a:t>
             </a:fld>
             <a:endParaRPr lang="en-US" dirty="0"/>
           </a:p>
@@ -1655,7 +1655,7 @@
           <a:p>
             <a:fld id="{D18B56EA-E28F-4F92-9F16-7A6F2501B303}" type="datetime8">
               <a:rPr lang="en-US" smtClean="0"/>
-              <a:t>3/14/19 2:48 PM</a:t>
+              <a:t>6/9/2019 2:04 PM</a:t>
             </a:fld>
             <a:endParaRPr lang="en-US" dirty="0"/>
           </a:p>
@@ -1836,7 +1836,7 @@
           <a:p>
             <a:fld id="{D18B56EA-E28F-4F92-9F16-7A6F2501B303}" type="datetime8">
               <a:rPr lang="en-US" smtClean="0"/>
-              <a:t>3/14/19 2:52 PM</a:t>
+              <a:t>6/9/2019 2:04 PM</a:t>
             </a:fld>
             <a:endParaRPr lang="en-US" dirty="0"/>
           </a:p>
@@ -2017,7 +2017,7 @@
           <a:p>
             <a:fld id="{D18B56EA-E28F-4F92-9F16-7A6F2501B303}" type="datetime8">
               <a:rPr lang="en-US" smtClean="0"/>
-              <a:t>3/14/19 1:45 PM</a:t>
+              <a:t>6/9/2019 2:04 PM</a:t>
             </a:fld>
             <a:endParaRPr lang="en-US" dirty="0"/>
           </a:p>
@@ -2198,7 +2198,7 @@
           <a:p>
             <a:fld id="{D18B56EA-E28F-4F92-9F16-7A6F2501B303}" type="datetime8">
               <a:rPr lang="en-US" smtClean="0"/>
-              <a:t>3/14/19 1:45 PM</a:t>
+              <a:t>6/9/2019 2:04 PM</a:t>
             </a:fld>
             <a:endParaRPr lang="en-US" dirty="0"/>
           </a:p>
@@ -15732,15 +15732,7 @@
             <a:pPr lvl="1"/>
             <a:r>
               <a:rPr lang="en-US" dirty="0"/>
-              <a:t>Does not apply to SharePoint Framework extensions (app customizers / field </a:t>
-            </a:r>
-            <a:r>
-              <a:rPr lang="en-US" dirty="0" err="1"/>
-              <a:t>customiers</a:t>
-            </a:r>
-            <a:r>
-              <a:rPr lang="en-US" dirty="0"/>
-              <a:t> / command sets)</a:t>
+              <a:t>Does not apply to SharePoint Framework extensions (app customizers / field customizers / command sets)</a:t>
             </a:r>
           </a:p>
         </p:txBody>

--- a/02-appcatalogs.pptx
+++ b/02-appcatalogs.pptx
@@ -266,7 +266,7 @@
               <a:rPr lang="en-US" smtClean="0">
                 <a:latin typeface="Segoe UI" pitchFamily="34" charset="0"/>
               </a:rPr>
-              <a:t>6/9/2019 2:04 PM</a:t>
+              <a:t>3/6/20 3:34 PM</a:t>
             </a:fld>
             <a:endParaRPr lang="en-US" dirty="0">
               <a:latin typeface="Segoe UI" pitchFamily="34" charset="0"/>
@@ -563,7 +563,7 @@
           <a:p>
             <a:fld id="{D18B56EA-E28F-4F92-9F16-7A6F2501B303}" type="datetime8">
               <a:rPr lang="en-US" smtClean="0"/>
-              <a:t>6/9/2019 2:04 PM</a:t>
+              <a:t>3/6/20 3:34 PM</a:t>
             </a:fld>
             <a:endParaRPr lang="en-US" dirty="0"/>
           </a:p>
@@ -946,7 +946,7 @@
           <a:p>
             <a:fld id="{D18B56EA-E28F-4F92-9F16-7A6F2501B303}" type="datetime8">
               <a:rPr lang="en-US" smtClean="0"/>
-              <a:t>6/9/2019 2:04 PM</a:t>
+              <a:t>3/6/20 3:34 PM</a:t>
             </a:fld>
             <a:endParaRPr lang="en-US" dirty="0"/>
           </a:p>
@@ -980,6 +980,368 @@
     <p:extLst>
       <p:ext uri="{BB962C8B-B14F-4D97-AF65-F5344CB8AC3E}">
         <p14:creationId xmlns:p14="http://schemas.microsoft.com/office/powerpoint/2010/main" val="909857904"/>
+      </p:ext>
+    </p:extLst>
+  </p:cSld>
+  <p:clrMapOvr>
+    <a:masterClrMapping/>
+  </p:clrMapOvr>
+</p:notes>
+</file>
+
+<file path=ppt/notesSlides/notesSlide10.xml><?xml version="1.0" encoding="utf-8"?>
+<p:notes xmlns:a="http://schemas.openxmlformats.org/drawingml/2006/main" xmlns:r="http://schemas.openxmlformats.org/officeDocument/2006/relationships" xmlns:p="http://schemas.openxmlformats.org/presentationml/2006/main">
+  <p:cSld>
+    <p:spTree>
+      <p:nvGrpSpPr>
+        <p:cNvPr id="1" name=""/>
+        <p:cNvGrpSpPr/>
+        <p:nvPr/>
+      </p:nvGrpSpPr>
+      <p:grpSpPr>
+        <a:xfrm>
+          <a:off x="0" y="0"/>
+          <a:ext cx="0" cy="0"/>
+          <a:chOff x="0" y="0"/>
+          <a:chExt cx="0" cy="0"/>
+        </a:xfrm>
+      </p:grpSpPr>
+      <p:sp>
+        <p:nvSpPr>
+          <p:cNvPr id="2" name="Slide Image Placeholder 1"/>
+          <p:cNvSpPr>
+            <a:spLocks noGrp="1" noRot="1" noChangeAspect="1"/>
+          </p:cNvSpPr>
+          <p:nvPr>
+            <p:ph type="sldImg"/>
+          </p:nvPr>
+        </p:nvSpPr>
+        <p:spPr/>
+      </p:sp>
+      <p:sp>
+        <p:nvSpPr>
+          <p:cNvPr id="3" name="Notes Placeholder 2"/>
+          <p:cNvSpPr>
+            <a:spLocks noGrp="1"/>
+          </p:cNvSpPr>
+          <p:nvPr>
+            <p:ph type="body" idx="1"/>
+          </p:nvPr>
+        </p:nvSpPr>
+        <p:spPr/>
+        <p:txBody>
+          <a:bodyPr/>
+          <a:lstStyle/>
+          <a:p>
+            <a:endParaRPr lang="en-US"/>
+          </a:p>
+        </p:txBody>
+      </p:sp>
+      <p:sp>
+        <p:nvSpPr>
+          <p:cNvPr id="4" name="Header Placeholder 3"/>
+          <p:cNvSpPr>
+            <a:spLocks noGrp="1"/>
+          </p:cNvSpPr>
+          <p:nvPr>
+            <p:ph type="hdr" sz="quarter" idx="10"/>
+          </p:nvPr>
+        </p:nvSpPr>
+        <p:spPr/>
+        <p:txBody>
+          <a:bodyPr/>
+          <a:lstStyle/>
+          <a:p>
+            <a:endParaRPr lang="en-US" dirty="0"/>
+          </a:p>
+        </p:txBody>
+      </p:sp>
+      <p:sp>
+        <p:nvSpPr>
+          <p:cNvPr id="5" name="Footer Placeholder 4"/>
+          <p:cNvSpPr>
+            <a:spLocks noGrp="1"/>
+          </p:cNvSpPr>
+          <p:nvPr>
+            <p:ph type="ftr" sz="quarter" idx="11"/>
+          </p:nvPr>
+        </p:nvSpPr>
+        <p:spPr/>
+        <p:txBody>
+          <a:bodyPr/>
+          <a:lstStyle/>
+          <a:p>
+            <a:pPr defTabSz="914099" eaLnBrk="0" hangingPunct="0"/>
+            <a:r>
+              <a:rPr lang="en-US" sz="400">
+                <a:gradFill>
+                  <a:gsLst>
+                    <a:gs pos="0">
+                      <a:prstClr val="black"/>
+                    </a:gs>
+                    <a:gs pos="100000">
+                      <a:prstClr val="black"/>
+                    </a:gs>
+                  </a:gsLst>
+                  <a:lin ang="5400000" scaled="0"/>
+                </a:gradFill>
+                <a:latin typeface="Segoe UI" pitchFamily="34" charset="0"/>
+                <a:ea typeface="Segoe UI" pitchFamily="34" charset="0"/>
+                <a:cs typeface="Segoe UI" pitchFamily="34" charset="0"/>
+              </a:rPr>
+              <a:t>© Microsoft Corporation. All rights reserved. MICROSOFT MAKES NO WARRANTIES, EXPRESS, IMPLIED OR STATUTORY, AS TO THE INFORMATION IN THIS PRESENTATION.</a:t>
+            </a:r>
+            <a:endParaRPr lang="en-US" sz="400" dirty="0">
+              <a:gradFill>
+                <a:gsLst>
+                  <a:gs pos="0">
+                    <a:prstClr val="black"/>
+                  </a:gs>
+                  <a:gs pos="100000">
+                    <a:prstClr val="black"/>
+                  </a:gs>
+                </a:gsLst>
+                <a:lin ang="5400000" scaled="0"/>
+              </a:gradFill>
+              <a:latin typeface="Segoe UI" pitchFamily="34" charset="0"/>
+              <a:ea typeface="Segoe UI" pitchFamily="34" charset="0"/>
+              <a:cs typeface="Segoe UI" pitchFamily="34" charset="0"/>
+            </a:endParaRPr>
+          </a:p>
+        </p:txBody>
+      </p:sp>
+      <p:sp>
+        <p:nvSpPr>
+          <p:cNvPr id="6" name="Date Placeholder 5"/>
+          <p:cNvSpPr>
+            <a:spLocks noGrp="1"/>
+          </p:cNvSpPr>
+          <p:nvPr>
+            <p:ph type="dt" idx="12"/>
+          </p:nvPr>
+        </p:nvSpPr>
+        <p:spPr/>
+        <p:txBody>
+          <a:bodyPr/>
+          <a:lstStyle/>
+          <a:p>
+            <a:fld id="{D18B56EA-E28F-4F92-9F16-7A6F2501B303}" type="datetime8">
+              <a:rPr lang="en-US" smtClean="0"/>
+              <a:t>3/6/20 3:34 PM</a:t>
+            </a:fld>
+            <a:endParaRPr lang="en-US" dirty="0"/>
+          </a:p>
+        </p:txBody>
+      </p:sp>
+      <p:sp>
+        <p:nvSpPr>
+          <p:cNvPr id="7" name="Slide Number Placeholder 6"/>
+          <p:cNvSpPr>
+            <a:spLocks noGrp="1"/>
+          </p:cNvSpPr>
+          <p:nvPr>
+            <p:ph type="sldNum" sz="quarter" idx="13"/>
+          </p:nvPr>
+        </p:nvSpPr>
+        <p:spPr/>
+        <p:txBody>
+          <a:bodyPr/>
+          <a:lstStyle/>
+          <a:p>
+            <a:fld id="{B4008EB6-D09E-4580-8CD6-DDB14511944F}" type="slidenum">
+              <a:rPr lang="en-US" smtClean="0"/>
+              <a:pPr/>
+              <a:t>11</a:t>
+            </a:fld>
+            <a:endParaRPr lang="en-US" dirty="0"/>
+          </a:p>
+        </p:txBody>
+      </p:sp>
+    </p:spTree>
+    <p:extLst>
+      <p:ext uri="{BB962C8B-B14F-4D97-AF65-F5344CB8AC3E}">
+        <p14:creationId xmlns:p14="http://schemas.microsoft.com/office/powerpoint/2010/main" val="2510823477"/>
+      </p:ext>
+    </p:extLst>
+  </p:cSld>
+  <p:clrMapOvr>
+    <a:masterClrMapping/>
+  </p:clrMapOvr>
+</p:notes>
+</file>
+
+<file path=ppt/notesSlides/notesSlide11.xml><?xml version="1.0" encoding="utf-8"?>
+<p:notes xmlns:a="http://schemas.openxmlformats.org/drawingml/2006/main" xmlns:r="http://schemas.openxmlformats.org/officeDocument/2006/relationships" xmlns:p="http://schemas.openxmlformats.org/presentationml/2006/main">
+  <p:cSld>
+    <p:spTree>
+      <p:nvGrpSpPr>
+        <p:cNvPr id="1" name=""/>
+        <p:cNvGrpSpPr/>
+        <p:nvPr/>
+      </p:nvGrpSpPr>
+      <p:grpSpPr>
+        <a:xfrm>
+          <a:off x="0" y="0"/>
+          <a:ext cx="0" cy="0"/>
+          <a:chOff x="0" y="0"/>
+          <a:chExt cx="0" cy="0"/>
+        </a:xfrm>
+      </p:grpSpPr>
+      <p:sp>
+        <p:nvSpPr>
+          <p:cNvPr id="2" name="Slide Image Placeholder 1"/>
+          <p:cNvSpPr>
+            <a:spLocks noGrp="1" noRot="1" noChangeAspect="1"/>
+          </p:cNvSpPr>
+          <p:nvPr>
+            <p:ph type="sldImg"/>
+          </p:nvPr>
+        </p:nvSpPr>
+        <p:spPr/>
+      </p:sp>
+      <p:sp>
+        <p:nvSpPr>
+          <p:cNvPr id="3" name="Notes Placeholder 2"/>
+          <p:cNvSpPr>
+            <a:spLocks noGrp="1"/>
+          </p:cNvSpPr>
+          <p:nvPr>
+            <p:ph type="body" idx="1"/>
+          </p:nvPr>
+        </p:nvSpPr>
+        <p:spPr/>
+        <p:txBody>
+          <a:bodyPr/>
+          <a:lstStyle/>
+          <a:p>
+            <a:endParaRPr lang="en-US"/>
+          </a:p>
+        </p:txBody>
+      </p:sp>
+      <p:sp>
+        <p:nvSpPr>
+          <p:cNvPr id="4" name="Header Placeholder 3"/>
+          <p:cNvSpPr>
+            <a:spLocks noGrp="1"/>
+          </p:cNvSpPr>
+          <p:nvPr>
+            <p:ph type="hdr" sz="quarter" idx="10"/>
+          </p:nvPr>
+        </p:nvSpPr>
+        <p:spPr/>
+        <p:txBody>
+          <a:bodyPr/>
+          <a:lstStyle/>
+          <a:p>
+            <a:endParaRPr lang="en-US" dirty="0"/>
+          </a:p>
+        </p:txBody>
+      </p:sp>
+      <p:sp>
+        <p:nvSpPr>
+          <p:cNvPr id="5" name="Footer Placeholder 4"/>
+          <p:cNvSpPr>
+            <a:spLocks noGrp="1"/>
+          </p:cNvSpPr>
+          <p:nvPr>
+            <p:ph type="ftr" sz="quarter" idx="11"/>
+          </p:nvPr>
+        </p:nvSpPr>
+        <p:spPr/>
+        <p:txBody>
+          <a:bodyPr/>
+          <a:lstStyle/>
+          <a:p>
+            <a:pPr defTabSz="914099" eaLnBrk="0" hangingPunct="0"/>
+            <a:r>
+              <a:rPr lang="en-US" sz="400">
+                <a:gradFill>
+                  <a:gsLst>
+                    <a:gs pos="0">
+                      <a:prstClr val="black"/>
+                    </a:gs>
+                    <a:gs pos="100000">
+                      <a:prstClr val="black"/>
+                    </a:gs>
+                  </a:gsLst>
+                  <a:lin ang="5400000" scaled="0"/>
+                </a:gradFill>
+                <a:latin typeface="Segoe UI" pitchFamily="34" charset="0"/>
+                <a:ea typeface="Segoe UI" pitchFamily="34" charset="0"/>
+                <a:cs typeface="Segoe UI" pitchFamily="34" charset="0"/>
+              </a:rPr>
+              <a:t>© Microsoft Corporation. All rights reserved. MICROSOFT MAKES NO WARRANTIES, EXPRESS, IMPLIED OR STATUTORY, AS TO THE INFORMATION IN THIS PRESENTATION.</a:t>
+            </a:r>
+            <a:endParaRPr lang="en-US" sz="400" dirty="0">
+              <a:gradFill>
+                <a:gsLst>
+                  <a:gs pos="0">
+                    <a:prstClr val="black"/>
+                  </a:gs>
+                  <a:gs pos="100000">
+                    <a:prstClr val="black"/>
+                  </a:gs>
+                </a:gsLst>
+                <a:lin ang="5400000" scaled="0"/>
+              </a:gradFill>
+              <a:latin typeface="Segoe UI" pitchFamily="34" charset="0"/>
+              <a:ea typeface="Segoe UI" pitchFamily="34" charset="0"/>
+              <a:cs typeface="Segoe UI" pitchFamily="34" charset="0"/>
+            </a:endParaRPr>
+          </a:p>
+        </p:txBody>
+      </p:sp>
+      <p:sp>
+        <p:nvSpPr>
+          <p:cNvPr id="6" name="Date Placeholder 5"/>
+          <p:cNvSpPr>
+            <a:spLocks noGrp="1"/>
+          </p:cNvSpPr>
+          <p:nvPr>
+            <p:ph type="dt" idx="12"/>
+          </p:nvPr>
+        </p:nvSpPr>
+        <p:spPr/>
+        <p:txBody>
+          <a:bodyPr/>
+          <a:lstStyle/>
+          <a:p>
+            <a:fld id="{D18B56EA-E28F-4F92-9F16-7A6F2501B303}" type="datetime8">
+              <a:rPr lang="en-US" smtClean="0"/>
+              <a:t>3/6/20 3:34 PM</a:t>
+            </a:fld>
+            <a:endParaRPr lang="en-US" dirty="0"/>
+          </a:p>
+        </p:txBody>
+      </p:sp>
+      <p:sp>
+        <p:nvSpPr>
+          <p:cNvPr id="7" name="Slide Number Placeholder 6"/>
+          <p:cNvSpPr>
+            <a:spLocks noGrp="1"/>
+          </p:cNvSpPr>
+          <p:nvPr>
+            <p:ph type="sldNum" sz="quarter" idx="13"/>
+          </p:nvPr>
+        </p:nvSpPr>
+        <p:spPr/>
+        <p:txBody>
+          <a:bodyPr/>
+          <a:lstStyle/>
+          <a:p>
+            <a:fld id="{B4008EB6-D09E-4580-8CD6-DDB14511944F}" type="slidenum">
+              <a:rPr lang="en-US" smtClean="0"/>
+              <a:pPr/>
+              <a:t>12</a:t>
+            </a:fld>
+            <a:endParaRPr lang="en-US" dirty="0"/>
+          </a:p>
+        </p:txBody>
+      </p:sp>
+    </p:spTree>
+    <p:extLst>
+      <p:ext uri="{BB962C8B-B14F-4D97-AF65-F5344CB8AC3E}">
+        <p14:creationId xmlns:p14="http://schemas.microsoft.com/office/powerpoint/2010/main" val="1685519606"/>
       </p:ext>
     </p:extLst>
   </p:cSld>
@@ -1033,7 +1395,43 @@
           <a:bodyPr/>
           <a:lstStyle/>
           <a:p>
-            <a:endParaRPr lang="en-US"/>
+            <a:r>
+              <a:rPr lang="en-US" sz="900" b="0" kern="1200" dirty="0">
+                <a:solidFill>
+                  <a:schemeClr val="tx1"/>
+                </a:solidFill>
+                <a:effectLst/>
+                <a:latin typeface="Segoe UI Light" pitchFamily="34" charset="0"/>
+                <a:ea typeface="+mn-ea"/>
+                <a:cs typeface="+mn-cs"/>
+              </a:rPr>
+              <a:t>In this unit, you'll learn about the different App Catalogs in SharePoint and how you can programmatically deploy SharePoint apps with the ALM APIs.</a:t>
+            </a:r>
+          </a:p>
+          <a:p>
+            <a:br>
+              <a:rPr lang="en-US" sz="900" b="0" kern="1200" dirty="0">
+                <a:solidFill>
+                  <a:schemeClr val="tx1"/>
+                </a:solidFill>
+                <a:effectLst/>
+                <a:latin typeface="Segoe UI Light" pitchFamily="34" charset="0"/>
+                <a:ea typeface="+mn-ea"/>
+                <a:cs typeface="+mn-cs"/>
+              </a:rPr>
+            </a:br>
+            <a:endParaRPr lang="en-US" sz="900" b="0" kern="1200" dirty="0">
+              <a:solidFill>
+                <a:schemeClr val="tx1"/>
+              </a:solidFill>
+              <a:effectLst/>
+              <a:latin typeface="Segoe UI Light" pitchFamily="34" charset="0"/>
+              <a:ea typeface="+mn-ea"/>
+              <a:cs typeface="+mn-cs"/>
+            </a:endParaRPr>
+          </a:p>
+          <a:p>
+            <a:endParaRPr lang="en-US" dirty="0"/>
           </a:p>
         </p:txBody>
       </p:sp>
@@ -1127,7 +1525,7 @@
           <a:p>
             <a:fld id="{D18B56EA-E28F-4F92-9F16-7A6F2501B303}" type="datetime8">
               <a:rPr lang="en-US" smtClean="0"/>
-              <a:t>6/9/2019 2:04 PM</a:t>
+              <a:t>3/8/20 7:22 AM</a:t>
             </a:fld>
             <a:endParaRPr lang="en-US" dirty="0"/>
           </a:p>
@@ -1214,6 +1612,61 @@
           <a:bodyPr/>
           <a:lstStyle/>
           <a:p>
+            <a:r>
+              <a:rPr lang="en-US" dirty="0"/>
+              <a:t>The tenant-scoped App Catalog was initially introduced to SharePoint in the SharePoint Server 2013 release. It is available in all subsequent on-premises SharePoint Server releases and SharePoint Online.</a:t>
+            </a:r>
+          </a:p>
+          <a:p>
+            <a:endParaRPr lang="en-US" dirty="0"/>
+          </a:p>
+          <a:p>
+            <a:r>
+              <a:rPr lang="en-US" dirty="0"/>
+              <a:t>The tenant App Catalog is managed by the SharePoint tenant administrators. All SharePoint packages deployed to the tenant's App Catalog are available to all site collections throughout the entire tenant.</a:t>
+            </a:r>
+          </a:p>
+          <a:p>
+            <a:endParaRPr lang="en-US" dirty="0"/>
+          </a:p>
+          <a:p>
+            <a:r>
+              <a:rPr lang="en-US" dirty="0"/>
+              <a:t>Starting in SharePoint Server 2019 and in SharePoint Online, when deploying a SharePoint package to the tenant App Catalog, you can optionally have web parts installed to all site collections in the tenant. For this option to be available when deploying the package, the developer must enable it in the **./</a:t>
+            </a:r>
+            <a:r>
+              <a:rPr lang="en-US" dirty="0" err="1"/>
+              <a:t>src</a:t>
+            </a:r>
+            <a:r>
+              <a:rPr lang="en-US" dirty="0"/>
+              <a:t>/package-</a:t>
+            </a:r>
+            <a:r>
+              <a:rPr lang="en-US" dirty="0" err="1"/>
+              <a:t>solution.json</a:t>
+            </a:r>
+            <a:r>
+              <a:rPr lang="en-US" dirty="0"/>
+              <a:t>** file. This option can save administrators and site collection owners time from having to go to each site collection and install the app in each site collection after deploying it. In addition, it will automatically install the app in all new site collections created after deploying the package.</a:t>
+            </a:r>
+          </a:p>
+          <a:p>
+            <a:endParaRPr lang="en-US" dirty="0"/>
+          </a:p>
+          <a:p>
+            <a:r>
+              <a:rPr lang="en-US" dirty="0"/>
+              <a:t>&gt; [!NOTE]</a:t>
+            </a:r>
+          </a:p>
+          <a:p>
+            <a:r>
+              <a:rPr lang="en-US" dirty="0"/>
+              <a:t>&gt; The automatic deployment of SharePoint Framework web part apps to all site collections only applies to SharePoint Server 2019, SharePoint Online and client-side web parts. It doesn't include SharePoint Framework extensions.</a:t>
+            </a:r>
+          </a:p>
+          <a:p>
             <a:endParaRPr lang="en-US" dirty="0"/>
           </a:p>
         </p:txBody>
@@ -1376,7 +1829,46 @@
           <a:bodyPr/>
           <a:lstStyle/>
           <a:p>
+            <a:r>
+              <a:rPr lang="en-US" dirty="0"/>
+              <a:t>The reason for site collection App Catalogs are not created automatically is that Microsoft has taken a secure by default approach.</a:t>
+            </a:r>
+          </a:p>
+          <a:p>
             <a:endParaRPr lang="en-US" dirty="0"/>
+          </a:p>
+          <a:p>
+            <a:r>
+              <a:rPr lang="en-US" dirty="0"/>
+              <a:t>When someone can add a SharePoint package to a site and install items from that package, administrators are effectively giving the ability to add JavaScript files to your SharePoint site. This delegates the responsibility of who's allowed to add JavaScript files to a site to the site collection owners.</a:t>
+            </a:r>
+          </a:p>
+          <a:p>
+            <a:endParaRPr lang="en-US" dirty="0"/>
+          </a:p>
+          <a:p>
+            <a:r>
+              <a:rPr lang="en-US" dirty="0"/>
+              <a:t>Once those script files are running on a SharePoint page, they run in the context of the current user that's logged into the site and interacting with the page.  If that user has privileged access permissions, such as access to a document library that contains files related to mergers and acquisitions for the organization, the script file can use the SharePoint REST API, accessed by the user's context, and send files from that library to another location... all without the user knowing this was happening. The person who installed the app may not realize that can happen or have performed a thorough code review of the custom components prior to deploying the package. With a site collection App Catalog, tenant administrators are effectively delegating this responsibility to site collection owners. Because of this, Microsoft has taken the approach that each customer needs to decide if they want to trust this delegation to their site collection owners and therefore, requires tenant administrators to "opt-in" to site collection App Catalogs on a site collection by site collection basis.</a:t>
+            </a:r>
+          </a:p>
+          <a:p>
+            <a:endParaRPr lang="en-US" dirty="0"/>
+          </a:p>
+          <a:p>
+            <a:r>
+              <a:rPr lang="en-US" dirty="0"/>
+              <a:t>The only way to create site collection App Catalogs is ultimately through the SharePoint REST API. You can do this through code, or using one of the administrative command line tools available to tenant administrators.</a:t>
+            </a:r>
+          </a:p>
+          <a:p>
+            <a:endParaRPr lang="en-US" dirty="0"/>
+          </a:p>
+          <a:p>
+            <a:r>
+              <a:rPr lang="en-US" dirty="0"/>
+              <a:t>The site collection App Catalog is a special document library in the site collection accessible from the **Site Contents** page.</a:t>
+            </a:r>
           </a:p>
         </p:txBody>
       </p:sp>
@@ -1474,7 +1966,7 @@
           <a:p>
             <a:fld id="{D18B56EA-E28F-4F92-9F16-7A6F2501B303}" type="datetime8">
               <a:rPr lang="en-US" smtClean="0"/>
-              <a:t>6/9/2019 2:04 PM</a:t>
+              <a:t>3/8/20 7:51 AM</a:t>
             </a:fld>
             <a:endParaRPr lang="en-US" dirty="0"/>
           </a:p>
@@ -1498,7 +1990,7 @@
             <a:fld id="{B4008EB6-D09E-4580-8CD6-DDB14511944F}" type="slidenum">
               <a:rPr lang="en-US" smtClean="0"/>
               <a:pPr/>
-              <a:t>7</a:t>
+              <a:t>4</a:t>
             </a:fld>
             <a:endParaRPr lang="en-US" dirty="0"/>
           </a:p>
@@ -1507,7 +1999,7 @@
     </p:spTree>
     <p:extLst>
       <p:ext uri="{BB962C8B-B14F-4D97-AF65-F5344CB8AC3E}">
-        <p14:creationId xmlns:p14="http://schemas.microsoft.com/office/powerpoint/2010/main" val="3431761183"/>
+        <p14:creationId xmlns:p14="http://schemas.microsoft.com/office/powerpoint/2010/main" val="2968648172"/>
       </p:ext>
     </p:extLst>
   </p:cSld>
@@ -1561,7 +2053,54 @@
           <a:bodyPr/>
           <a:lstStyle/>
           <a:p>
-            <a:endParaRPr lang="en-US"/>
+            <a:r>
+              <a:rPr lang="en-US" dirty="0"/>
+              <a:t>The [SharePoint Online PowerShell](https://</a:t>
+            </a:r>
+            <a:r>
+              <a:rPr lang="en-US" dirty="0" err="1"/>
+              <a:t>technet.microsoft.com</a:t>
+            </a:r>
+            <a:r>
+              <a:rPr lang="en-US" dirty="0"/>
+              <a:t>/library/fp161388.aspx) contains cmdlets that you can use to create and remove App Catalogs to and from site collections. First, connect to your SharePoint Online tenant by signing into your Tenant Admin Center and then use the `Add-</a:t>
+            </a:r>
+            <a:r>
+              <a:rPr lang="en-US" dirty="0" err="1"/>
+              <a:t>SPOSiteCollectionAppCatalog</a:t>
+            </a:r>
+            <a:r>
+              <a:rPr lang="en-US" dirty="0"/>
+              <a:t>` cmdlet to add a site collection App Catalog to the specified site collection.</a:t>
+            </a:r>
+          </a:p>
+          <a:p>
+            <a:endParaRPr lang="en-US" dirty="0"/>
+          </a:p>
+          <a:p>
+            <a:r>
+              <a:rPr lang="en-US" dirty="0"/>
+              <a:t>The [Office 365 CLI](https://</a:t>
+            </a:r>
+            <a:r>
+              <a:rPr lang="en-US" dirty="0" err="1"/>
+              <a:t>pnp.github.io</a:t>
+            </a:r>
+            <a:r>
+              <a:rPr lang="en-US" dirty="0"/>
+              <a:t>/office365-cli) contains commands that you can use to create and remove App Catalogs to and from site collections. First, connect to your SharePoint Online tenant by signing into your Tenant Admin Center and then use the `site </a:t>
+            </a:r>
+            <a:r>
+              <a:rPr lang="en-US" dirty="0" err="1"/>
+              <a:t>appcatalog</a:t>
+            </a:r>
+            <a:r>
+              <a:rPr lang="en-US" dirty="0"/>
+              <a:t>` command to add a site collection App Catalog to the specified site collection:</a:t>
+            </a:r>
+          </a:p>
+          <a:p>
+            <a:endParaRPr lang="en-US" dirty="0"/>
           </a:p>
         </p:txBody>
       </p:sp>
@@ -1572,7 +2111,7 @@
             <a:spLocks noGrp="1"/>
           </p:cNvSpPr>
           <p:nvPr>
-            <p:ph type="hdr" sz="quarter" idx="10"/>
+            <p:ph type="hdr" sz="quarter"/>
           </p:nvPr>
         </p:nvSpPr>
         <p:spPr/>
@@ -1580,6 +2119,10 @@
           <a:bodyPr/>
           <a:lstStyle/>
           <a:p>
+            <a:r>
+              <a:rPr lang="en-US"/>
+              <a:t>SharePoint Framework</a:t>
+            </a:r>
             <a:endParaRPr lang="en-US" dirty="0"/>
           </a:p>
         </p:txBody>
@@ -1591,7 +2134,7 @@
             <a:spLocks noGrp="1"/>
           </p:cNvSpPr>
           <p:nvPr>
-            <p:ph type="ftr" sz="quarter" idx="11"/>
+            <p:ph type="ftr" sz="quarter" idx="4"/>
           </p:nvPr>
         </p:nvSpPr>
         <p:spPr/>
@@ -1645,7 +2188,7 @@
             <a:spLocks noGrp="1"/>
           </p:cNvSpPr>
           <p:nvPr>
-            <p:ph type="dt" idx="12"/>
+            <p:ph type="dt" idx="1"/>
           </p:nvPr>
         </p:nvSpPr>
         <p:spPr/>
@@ -1655,7 +2198,7 @@
           <a:p>
             <a:fld id="{D18B56EA-E28F-4F92-9F16-7A6F2501B303}" type="datetime8">
               <a:rPr lang="en-US" smtClean="0"/>
-              <a:t>6/9/2019 2:04 PM</a:t>
+              <a:t>3/8/20 7:51 AM</a:t>
             </a:fld>
             <a:endParaRPr lang="en-US" dirty="0"/>
           </a:p>
@@ -1668,7 +2211,7 @@
             <a:spLocks noGrp="1"/>
           </p:cNvSpPr>
           <p:nvPr>
-            <p:ph type="sldNum" sz="quarter" idx="13"/>
+            <p:ph type="sldNum" sz="quarter" idx="5"/>
           </p:nvPr>
         </p:nvSpPr>
         <p:spPr/>
@@ -1679,7 +2222,7 @@
             <a:fld id="{B4008EB6-D09E-4580-8CD6-DDB14511944F}" type="slidenum">
               <a:rPr lang="en-US" smtClean="0"/>
               <a:pPr/>
-              <a:t>8</a:t>
+              <a:t>5</a:t>
             </a:fld>
             <a:endParaRPr lang="en-US" dirty="0"/>
           </a:p>
@@ -1688,7 +2231,7 @@
     </p:spTree>
     <p:extLst>
       <p:ext uri="{BB962C8B-B14F-4D97-AF65-F5344CB8AC3E}">
-        <p14:creationId xmlns:p14="http://schemas.microsoft.com/office/powerpoint/2010/main" val="3738293785"/>
+        <p14:creationId xmlns:p14="http://schemas.microsoft.com/office/powerpoint/2010/main" val="2178138036"/>
       </p:ext>
     </p:extLst>
   </p:cSld>
@@ -1742,7 +2285,36 @@
           <a:bodyPr/>
           <a:lstStyle/>
           <a:p>
+            <a:r>
+              <a:rPr lang="en-US" dirty="0"/>
+              <a:t>Removing a site collection App Catalog doesn't actually delete the library, it just disables the deployment of SharePoint packages to the site collection. After removing a site collection App Catalog, any packages uploaded to the library in the future are treated just like a files in a document library.</a:t>
+            </a:r>
+          </a:p>
+          <a:p>
             <a:endParaRPr lang="en-US" dirty="0"/>
+          </a:p>
+          <a:p>
+            <a:r>
+              <a:rPr lang="en-US" dirty="0"/>
+              <a:t>Use the following commands to remove a site collection App Catalog using SharePoint Online </a:t>
+            </a:r>
+            <a:r>
+              <a:rPr lang="en-US" dirty="0" err="1"/>
+              <a:t>Powershell</a:t>
+            </a:r>
+            <a:r>
+              <a:rPr lang="en-US" dirty="0"/>
+              <a:t>:</a:t>
+            </a:r>
+          </a:p>
+          <a:p>
+            <a:endParaRPr lang="en-US" dirty="0"/>
+          </a:p>
+          <a:p>
+            <a:r>
+              <a:rPr lang="en-US" dirty="0"/>
+              <a:t>Use the following commands to remove a site collection App Catalog using the Office 365 CLI:</a:t>
+            </a:r>
           </a:p>
         </p:txBody>
       </p:sp>
@@ -1753,7 +2325,7 @@
             <a:spLocks noGrp="1"/>
           </p:cNvSpPr>
           <p:nvPr>
-            <p:ph type="hdr" sz="quarter" idx="10"/>
+            <p:ph type="hdr" sz="quarter"/>
           </p:nvPr>
         </p:nvSpPr>
         <p:spPr/>
@@ -1761,6 +2333,10 @@
           <a:bodyPr/>
           <a:lstStyle/>
           <a:p>
+            <a:r>
+              <a:rPr lang="en-US"/>
+              <a:t>SharePoint Framework</a:t>
+            </a:r>
             <a:endParaRPr lang="en-US" dirty="0"/>
           </a:p>
         </p:txBody>
@@ -1772,7 +2348,7 @@
             <a:spLocks noGrp="1"/>
           </p:cNvSpPr>
           <p:nvPr>
-            <p:ph type="ftr" sz="quarter" idx="11"/>
+            <p:ph type="ftr" sz="quarter" idx="4"/>
           </p:nvPr>
         </p:nvSpPr>
         <p:spPr/>
@@ -1826,7 +2402,7 @@
             <a:spLocks noGrp="1"/>
           </p:cNvSpPr>
           <p:nvPr>
-            <p:ph type="dt" idx="12"/>
+            <p:ph type="dt" idx="1"/>
           </p:nvPr>
         </p:nvSpPr>
         <p:spPr/>
@@ -1836,7 +2412,7 @@
           <a:p>
             <a:fld id="{D18B56EA-E28F-4F92-9F16-7A6F2501B303}" type="datetime8">
               <a:rPr lang="en-US" smtClean="0"/>
-              <a:t>6/9/2019 2:04 PM</a:t>
+              <a:t>3/8/20 7:55 AM</a:t>
             </a:fld>
             <a:endParaRPr lang="en-US" dirty="0"/>
           </a:p>
@@ -1849,7 +2425,7 @@
             <a:spLocks noGrp="1"/>
           </p:cNvSpPr>
           <p:nvPr>
-            <p:ph type="sldNum" sz="quarter" idx="13"/>
+            <p:ph type="sldNum" sz="quarter" idx="5"/>
           </p:nvPr>
         </p:nvSpPr>
         <p:spPr/>
@@ -1860,7 +2436,7 @@
             <a:fld id="{B4008EB6-D09E-4580-8CD6-DDB14511944F}" type="slidenum">
               <a:rPr lang="en-US" smtClean="0"/>
               <a:pPr/>
-              <a:t>10</a:t>
+              <a:t>6</a:t>
             </a:fld>
             <a:endParaRPr lang="en-US" dirty="0"/>
           </a:p>
@@ -1869,7 +2445,7 @@
     </p:spTree>
     <p:extLst>
       <p:ext uri="{BB962C8B-B14F-4D97-AF65-F5344CB8AC3E}">
-        <p14:creationId xmlns:p14="http://schemas.microsoft.com/office/powerpoint/2010/main" val="3282806226"/>
+        <p14:creationId xmlns:p14="http://schemas.microsoft.com/office/powerpoint/2010/main" val="1669580267"/>
       </p:ext>
     </p:extLst>
   </p:cSld>
@@ -1923,7 +2499,73 @@
           <a:bodyPr/>
           <a:lstStyle/>
           <a:p>
-            <a:endParaRPr lang="en-US"/>
+            <a:r>
+              <a:rPr lang="en-US" dirty="0"/>
+              <a:t>The SharePoint REST API includes endpoints and methods for managing the complete application lifecycle of SharePoint packages and apps. This is referred to as *application lifecycle management*, or ALM. These ALM APIs are only available in SharePoint Online.</a:t>
+            </a:r>
+          </a:p>
+          <a:p>
+            <a:endParaRPr lang="en-US" dirty="0"/>
+          </a:p>
+          <a:p>
+            <a:r>
+              <a:rPr lang="en-US" dirty="0"/>
+              <a:t>The SharePoint ALM APIs enable developers programmatic control of all parts of the package lifecycle. They allow for complex automation in continuous integration and continuous deployment scenarios (CI/CD) including control over large numbers of deployments.</a:t>
+            </a:r>
+          </a:p>
+          <a:p>
+            <a:endParaRPr lang="en-US" dirty="0"/>
+          </a:p>
+          <a:p>
+            <a:r>
+              <a:rPr lang="en-US" dirty="0"/>
+              <a:t>The ALM APIs enable the following scenarios:</a:t>
+            </a:r>
+          </a:p>
+          <a:p>
+            <a:endParaRPr lang="en-US" dirty="0"/>
+          </a:p>
+          <a:p>
+            <a:r>
+              <a:rPr lang="en-US" dirty="0"/>
+              <a:t>- add/remove SharePoint Framework solutions and SharePoint add-ins to/from App Catalogs</a:t>
+            </a:r>
+          </a:p>
+          <a:p>
+            <a:r>
+              <a:rPr lang="en-US" dirty="0"/>
+              <a:t>- enable/disable SharePoint Framework solutions and SharePoint add-ins for installation in site collections</a:t>
+            </a:r>
+          </a:p>
+          <a:p>
+            <a:r>
+              <a:rPr lang="en-US" dirty="0"/>
+              <a:t>- install/uninstall SharePoint Framework solutions and SharePoint add-ins to site collections</a:t>
+            </a:r>
+          </a:p>
+          <a:p>
+            <a:r>
+              <a:rPr lang="en-US" dirty="0"/>
+              <a:t>- upgrade SharePoint Framework solutions and SharePoint add-ins in site collections</a:t>
+            </a:r>
+          </a:p>
+          <a:p>
+            <a:r>
+              <a:rPr lang="en-US" dirty="0"/>
+              <a:t>- list/get one SharePoint Framework solution and SharePoint add-in within App Catalogs</a:t>
+            </a:r>
+          </a:p>
+          <a:p>
+            <a:endParaRPr lang="en-US" dirty="0"/>
+          </a:p>
+          <a:p>
+            <a:r>
+              <a:rPr lang="en-US" dirty="0"/>
+              <a:t>These ALM APIs are available as both REST API endpoints and various tools including the PnP PowerShell and Office 365 CLI projects as well as the SharePoint Client Side Object Model (CSOM).</a:t>
+            </a:r>
+          </a:p>
+          <a:p>
+            <a:endParaRPr lang="en-US" dirty="0"/>
           </a:p>
         </p:txBody>
       </p:sp>
@@ -1934,7 +2576,7 @@
             <a:spLocks noGrp="1"/>
           </p:cNvSpPr>
           <p:nvPr>
-            <p:ph type="hdr" sz="quarter" idx="10"/>
+            <p:ph type="hdr" sz="quarter"/>
           </p:nvPr>
         </p:nvSpPr>
         <p:spPr/>
@@ -1942,6 +2584,10 @@
           <a:bodyPr/>
           <a:lstStyle/>
           <a:p>
+            <a:r>
+              <a:rPr lang="en-US"/>
+              <a:t>SharePoint Framework</a:t>
+            </a:r>
             <a:endParaRPr lang="en-US" dirty="0"/>
           </a:p>
         </p:txBody>
@@ -1953,7 +2599,7 @@
             <a:spLocks noGrp="1"/>
           </p:cNvSpPr>
           <p:nvPr>
-            <p:ph type="ftr" sz="quarter" idx="11"/>
+            <p:ph type="ftr" sz="quarter" idx="4"/>
           </p:nvPr>
         </p:nvSpPr>
         <p:spPr/>
@@ -2007,7 +2653,7 @@
             <a:spLocks noGrp="1"/>
           </p:cNvSpPr>
           <p:nvPr>
-            <p:ph type="dt" idx="12"/>
+            <p:ph type="dt" idx="1"/>
           </p:nvPr>
         </p:nvSpPr>
         <p:spPr/>
@@ -2017,7 +2663,7 @@
           <a:p>
             <a:fld id="{D18B56EA-E28F-4F92-9F16-7A6F2501B303}" type="datetime8">
               <a:rPr lang="en-US" smtClean="0"/>
-              <a:t>6/9/2019 2:04 PM</a:t>
+              <a:t>3/8/20 8:24 AM</a:t>
             </a:fld>
             <a:endParaRPr lang="en-US" dirty="0"/>
           </a:p>
@@ -2030,7 +2676,7 @@
             <a:spLocks noGrp="1"/>
           </p:cNvSpPr>
           <p:nvPr>
-            <p:ph type="sldNum" sz="quarter" idx="13"/>
+            <p:ph type="sldNum" sz="quarter" idx="5"/>
           </p:nvPr>
         </p:nvSpPr>
         <p:spPr/>
@@ -2041,7 +2687,7 @@
             <a:fld id="{B4008EB6-D09E-4580-8CD6-DDB14511944F}" type="slidenum">
               <a:rPr lang="en-US" smtClean="0"/>
               <a:pPr/>
-              <a:t>11</a:t>
+              <a:t>7</a:t>
             </a:fld>
             <a:endParaRPr lang="en-US" dirty="0"/>
           </a:p>
@@ -2050,7 +2696,7 @@
     </p:spTree>
     <p:extLst>
       <p:ext uri="{BB962C8B-B14F-4D97-AF65-F5344CB8AC3E}">
-        <p14:creationId xmlns:p14="http://schemas.microsoft.com/office/powerpoint/2010/main" val="2510823477"/>
+        <p14:creationId xmlns:p14="http://schemas.microsoft.com/office/powerpoint/2010/main" val="3431761183"/>
       </p:ext>
     </p:extLst>
   </p:cSld>
@@ -2198,7 +2844,7 @@
           <a:p>
             <a:fld id="{D18B56EA-E28F-4F92-9F16-7A6F2501B303}" type="datetime8">
               <a:rPr lang="en-US" smtClean="0"/>
-              <a:t>6/9/2019 2:04 PM</a:t>
+              <a:t>3/6/20 3:34 PM</a:t>
             </a:fld>
             <a:endParaRPr lang="en-US" dirty="0"/>
           </a:p>
@@ -2222,7 +2868,7 @@
             <a:fld id="{B4008EB6-D09E-4580-8CD6-DDB14511944F}" type="slidenum">
               <a:rPr lang="en-US" smtClean="0"/>
               <a:pPr/>
-              <a:t>12</a:t>
+              <a:t>8</a:t>
             </a:fld>
             <a:endParaRPr lang="en-US" dirty="0"/>
           </a:p>
@@ -2231,7 +2877,188 @@
     </p:spTree>
     <p:extLst>
       <p:ext uri="{BB962C8B-B14F-4D97-AF65-F5344CB8AC3E}">
-        <p14:creationId xmlns:p14="http://schemas.microsoft.com/office/powerpoint/2010/main" val="1685519606"/>
+        <p14:creationId xmlns:p14="http://schemas.microsoft.com/office/powerpoint/2010/main" val="3738293785"/>
+      </p:ext>
+    </p:extLst>
+  </p:cSld>
+  <p:clrMapOvr>
+    <a:masterClrMapping/>
+  </p:clrMapOvr>
+</p:notes>
+</file>
+
+<file path=ppt/notesSlides/notesSlide9.xml><?xml version="1.0" encoding="utf-8"?>
+<p:notes xmlns:a="http://schemas.openxmlformats.org/drawingml/2006/main" xmlns:r="http://schemas.openxmlformats.org/officeDocument/2006/relationships" xmlns:p="http://schemas.openxmlformats.org/presentationml/2006/main">
+  <p:cSld>
+    <p:spTree>
+      <p:nvGrpSpPr>
+        <p:cNvPr id="1" name=""/>
+        <p:cNvGrpSpPr/>
+        <p:nvPr/>
+      </p:nvGrpSpPr>
+      <p:grpSpPr>
+        <a:xfrm>
+          <a:off x="0" y="0"/>
+          <a:ext cx="0" cy="0"/>
+          <a:chOff x="0" y="0"/>
+          <a:chExt cx="0" cy="0"/>
+        </a:xfrm>
+      </p:grpSpPr>
+      <p:sp>
+        <p:nvSpPr>
+          <p:cNvPr id="2" name="Slide Image Placeholder 1"/>
+          <p:cNvSpPr>
+            <a:spLocks noGrp="1" noRot="1" noChangeAspect="1"/>
+          </p:cNvSpPr>
+          <p:nvPr>
+            <p:ph type="sldImg"/>
+          </p:nvPr>
+        </p:nvSpPr>
+        <p:spPr/>
+      </p:sp>
+      <p:sp>
+        <p:nvSpPr>
+          <p:cNvPr id="3" name="Notes Placeholder 2"/>
+          <p:cNvSpPr>
+            <a:spLocks noGrp="1"/>
+          </p:cNvSpPr>
+          <p:nvPr>
+            <p:ph type="body" idx="1"/>
+          </p:nvPr>
+        </p:nvSpPr>
+        <p:spPr/>
+        <p:txBody>
+          <a:bodyPr/>
+          <a:lstStyle/>
+          <a:p>
+            <a:endParaRPr lang="en-US" dirty="0"/>
+          </a:p>
+        </p:txBody>
+      </p:sp>
+      <p:sp>
+        <p:nvSpPr>
+          <p:cNvPr id="4" name="Header Placeholder 3"/>
+          <p:cNvSpPr>
+            <a:spLocks noGrp="1"/>
+          </p:cNvSpPr>
+          <p:nvPr>
+            <p:ph type="hdr" sz="quarter" idx="10"/>
+          </p:nvPr>
+        </p:nvSpPr>
+        <p:spPr/>
+        <p:txBody>
+          <a:bodyPr/>
+          <a:lstStyle/>
+          <a:p>
+            <a:endParaRPr lang="en-US" dirty="0"/>
+          </a:p>
+        </p:txBody>
+      </p:sp>
+      <p:sp>
+        <p:nvSpPr>
+          <p:cNvPr id="5" name="Footer Placeholder 4"/>
+          <p:cNvSpPr>
+            <a:spLocks noGrp="1"/>
+          </p:cNvSpPr>
+          <p:nvPr>
+            <p:ph type="ftr" sz="quarter" idx="11"/>
+          </p:nvPr>
+        </p:nvSpPr>
+        <p:spPr/>
+        <p:txBody>
+          <a:bodyPr/>
+          <a:lstStyle/>
+          <a:p>
+            <a:pPr defTabSz="914099" eaLnBrk="0" hangingPunct="0"/>
+            <a:r>
+              <a:rPr lang="en-US" sz="400">
+                <a:gradFill>
+                  <a:gsLst>
+                    <a:gs pos="0">
+                      <a:prstClr val="black"/>
+                    </a:gs>
+                    <a:gs pos="100000">
+                      <a:prstClr val="black"/>
+                    </a:gs>
+                  </a:gsLst>
+                  <a:lin ang="5400000" scaled="0"/>
+                </a:gradFill>
+                <a:latin typeface="Segoe UI" pitchFamily="34" charset="0"/>
+                <a:ea typeface="Segoe UI" pitchFamily="34" charset="0"/>
+                <a:cs typeface="Segoe UI" pitchFamily="34" charset="0"/>
+              </a:rPr>
+              <a:t>© Microsoft Corporation. All rights reserved. MICROSOFT MAKES NO WARRANTIES, EXPRESS, IMPLIED OR STATUTORY, AS TO THE INFORMATION IN THIS PRESENTATION.</a:t>
+            </a:r>
+            <a:endParaRPr lang="en-US" sz="400" dirty="0">
+              <a:gradFill>
+                <a:gsLst>
+                  <a:gs pos="0">
+                    <a:prstClr val="black"/>
+                  </a:gs>
+                  <a:gs pos="100000">
+                    <a:prstClr val="black"/>
+                  </a:gs>
+                </a:gsLst>
+                <a:lin ang="5400000" scaled="0"/>
+              </a:gradFill>
+              <a:latin typeface="Segoe UI" pitchFamily="34" charset="0"/>
+              <a:ea typeface="Segoe UI" pitchFamily="34" charset="0"/>
+              <a:cs typeface="Segoe UI" pitchFamily="34" charset="0"/>
+            </a:endParaRPr>
+          </a:p>
+        </p:txBody>
+      </p:sp>
+      <p:sp>
+        <p:nvSpPr>
+          <p:cNvPr id="6" name="Date Placeholder 5"/>
+          <p:cNvSpPr>
+            <a:spLocks noGrp="1"/>
+          </p:cNvSpPr>
+          <p:nvPr>
+            <p:ph type="dt" idx="12"/>
+          </p:nvPr>
+        </p:nvSpPr>
+        <p:spPr/>
+        <p:txBody>
+          <a:bodyPr/>
+          <a:lstStyle/>
+          <a:p>
+            <a:fld id="{D18B56EA-E28F-4F92-9F16-7A6F2501B303}" type="datetime8">
+              <a:rPr lang="en-US" smtClean="0"/>
+              <a:t>3/6/20 3:34 PM</a:t>
+            </a:fld>
+            <a:endParaRPr lang="en-US" dirty="0"/>
+          </a:p>
+        </p:txBody>
+      </p:sp>
+      <p:sp>
+        <p:nvSpPr>
+          <p:cNvPr id="7" name="Slide Number Placeholder 6"/>
+          <p:cNvSpPr>
+            <a:spLocks noGrp="1"/>
+          </p:cNvSpPr>
+          <p:nvPr>
+            <p:ph type="sldNum" sz="quarter" idx="13"/>
+          </p:nvPr>
+        </p:nvSpPr>
+        <p:spPr/>
+        <p:txBody>
+          <a:bodyPr/>
+          <a:lstStyle/>
+          <a:p>
+            <a:fld id="{B4008EB6-D09E-4580-8CD6-DDB14511944F}" type="slidenum">
+              <a:rPr lang="en-US" smtClean="0"/>
+              <a:pPr/>
+              <a:t>10</a:t>
+            </a:fld>
+            <a:endParaRPr lang="en-US" dirty="0"/>
+          </a:p>
+        </p:txBody>
+      </p:sp>
+    </p:spTree>
+    <p:extLst>
+      <p:ext uri="{BB962C8B-B14F-4D97-AF65-F5344CB8AC3E}">
+        <p14:creationId xmlns:p14="http://schemas.microsoft.com/office/powerpoint/2010/main" val="3282806226"/>
       </p:ext>
     </p:extLst>
   </p:cSld>
@@ -14766,7 +15593,7 @@
       </a:lvl9pPr>
     </p:otherStyle>
   </p:txStyles>
-  <p:extLst mod="1">
+  <p:extLst>
     <p:ext uri="{27BBF7A9-308A-43DC-89C8-2F10F3537804}">
       <p15:sldGuideLst xmlns:p15="http://schemas.microsoft.com/office/powerpoint/2012/main">
         <p15:guide id="3" pos="1381" userDrawn="1">
@@ -15980,7 +16807,7 @@
             <a:pPr lvl="1"/>
             <a:r>
               <a:rPr lang="en-US" dirty="0">
-                <a:hlinkClick r:id="rId2"/>
+                <a:hlinkClick r:id="rId3"/>
               </a:rPr>
               <a:t>https://technet.microsoft.com/en-us/library/fp161388.aspx</a:t>
             </a:r>
@@ -16093,7 +16920,7 @@
             <a:pPr lvl="1"/>
             <a:r>
               <a:rPr lang="en-US" dirty="0">
-                <a:hlinkClick r:id="rId3"/>
+                <a:hlinkClick r:id="rId4"/>
               </a:rPr>
               <a:t>https://pnp.github.io/office365-cli</a:t>
             </a:r>
@@ -16332,7 +17159,7 @@
             <a:pPr lvl="1"/>
             <a:r>
               <a:rPr lang="en-US" dirty="0">
-                <a:hlinkClick r:id="rId2"/>
+                <a:hlinkClick r:id="rId3"/>
               </a:rPr>
               <a:t>https://technet.microsoft.com/en-us/library/fp161388.aspx</a:t>
             </a:r>
@@ -16445,7 +17272,7 @@
             <a:pPr lvl="1"/>
             <a:r>
               <a:rPr lang="en-US" dirty="0">
-                <a:hlinkClick r:id="rId3"/>
+                <a:hlinkClick r:id="rId4"/>
               </a:rPr>
               <a:t>https://pnp.github.io/office365-cli</a:t>
             </a:r>

--- a/02-appcatalogs.pptx
+++ b/02-appcatalogs.pptx
@@ -266,7 +266,7 @@
               <a:rPr lang="en-US" smtClean="0">
                 <a:latin typeface="Segoe UI" pitchFamily="34" charset="0"/>
               </a:rPr>
-              <a:t>3/6/20 3:34 PM</a:t>
+              <a:t>8/29/2020 6:48 PM</a:t>
             </a:fld>
             <a:endParaRPr lang="en-US" dirty="0">
               <a:latin typeface="Segoe UI" pitchFamily="34" charset="0"/>
@@ -563,7 +563,7 @@
           <a:p>
             <a:fld id="{D18B56EA-E28F-4F92-9F16-7A6F2501B303}" type="datetime8">
               <a:rPr lang="en-US" smtClean="0"/>
-              <a:t>3/6/20 3:34 PM</a:t>
+              <a:t>8/29/2020 6:48 PM</a:t>
             </a:fld>
             <a:endParaRPr lang="en-US" dirty="0"/>
           </a:p>
@@ -946,7 +946,7 @@
           <a:p>
             <a:fld id="{D18B56EA-E28F-4F92-9F16-7A6F2501B303}" type="datetime8">
               <a:rPr lang="en-US" smtClean="0"/>
-              <a:t>3/6/20 3:34 PM</a:t>
+              <a:t>8/29/2020 6:48 PM</a:t>
             </a:fld>
             <a:endParaRPr lang="en-US" dirty="0"/>
           </a:p>
@@ -1127,7 +1127,7 @@
           <a:p>
             <a:fld id="{D18B56EA-E28F-4F92-9F16-7A6F2501B303}" type="datetime8">
               <a:rPr lang="en-US" smtClean="0"/>
-              <a:t>3/6/20 3:34 PM</a:t>
+              <a:t>8/29/2020 6:48 PM</a:t>
             </a:fld>
             <a:endParaRPr lang="en-US" dirty="0"/>
           </a:p>
@@ -1308,7 +1308,7 @@
           <a:p>
             <a:fld id="{D18B56EA-E28F-4F92-9F16-7A6F2501B303}" type="datetime8">
               <a:rPr lang="en-US" smtClean="0"/>
-              <a:t>3/6/20 3:34 PM</a:t>
+              <a:t>8/29/2020 6:48 PM</a:t>
             </a:fld>
             <a:endParaRPr lang="en-US" dirty="0"/>
           </a:p>
@@ -1525,7 +1525,7 @@
           <a:p>
             <a:fld id="{D18B56EA-E28F-4F92-9F16-7A6F2501B303}" type="datetime8">
               <a:rPr lang="en-US" smtClean="0"/>
-              <a:t>3/8/20 7:22 AM</a:t>
+              <a:t>8/29/2020 6:48 PM</a:t>
             </a:fld>
             <a:endParaRPr lang="en-US" dirty="0"/>
           </a:p>
@@ -1651,24 +1651,6 @@
               <a:t>** file. This option can save administrators and site collection owners time from having to go to each site collection and install the app in each site collection after deploying it. In addition, it will automatically install the app in all new site collections created after deploying the package.</a:t>
             </a:r>
           </a:p>
-          <a:p>
-            <a:endParaRPr lang="en-US" dirty="0"/>
-          </a:p>
-          <a:p>
-            <a:r>
-              <a:rPr lang="en-US" dirty="0"/>
-              <a:t>&gt; [!NOTE]</a:t>
-            </a:r>
-          </a:p>
-          <a:p>
-            <a:r>
-              <a:rPr lang="en-US" dirty="0"/>
-              <a:t>&gt; The automatic deployment of SharePoint Framework web part apps to all site collections only applies to SharePoint Server 2019, SharePoint Online and client-side web parts. It doesn't include SharePoint Framework extensions.</a:t>
-            </a:r>
-          </a:p>
-          <a:p>
-            <a:endParaRPr lang="en-US" dirty="0"/>
-          </a:p>
         </p:txBody>
       </p:sp>
       <p:sp>
@@ -1966,7 +1948,7 @@
           <a:p>
             <a:fld id="{D18B56EA-E28F-4F92-9F16-7A6F2501B303}" type="datetime8">
               <a:rPr lang="en-US" smtClean="0"/>
-              <a:t>3/8/20 7:51 AM</a:t>
+              <a:t>8/29/2020 6:48 PM</a:t>
             </a:fld>
             <a:endParaRPr lang="en-US" dirty="0"/>
           </a:p>
@@ -2198,7 +2180,7 @@
           <a:p>
             <a:fld id="{D18B56EA-E28F-4F92-9F16-7A6F2501B303}" type="datetime8">
               <a:rPr lang="en-US" smtClean="0"/>
-              <a:t>3/8/20 7:51 AM</a:t>
+              <a:t>8/29/2020 6:48 PM</a:t>
             </a:fld>
             <a:endParaRPr lang="en-US" dirty="0"/>
           </a:p>
@@ -2412,7 +2394,7 @@
           <a:p>
             <a:fld id="{D18B56EA-E28F-4F92-9F16-7A6F2501B303}" type="datetime8">
               <a:rPr lang="en-US" smtClean="0"/>
-              <a:t>3/8/20 7:55 AM</a:t>
+              <a:t>8/29/2020 6:48 PM</a:t>
             </a:fld>
             <a:endParaRPr lang="en-US" dirty="0"/>
           </a:p>
@@ -2663,7 +2645,7 @@
           <a:p>
             <a:fld id="{D18B56EA-E28F-4F92-9F16-7A6F2501B303}" type="datetime8">
               <a:rPr lang="en-US" smtClean="0"/>
-              <a:t>3/8/20 8:24 AM</a:t>
+              <a:t>8/29/2020 6:48 PM</a:t>
             </a:fld>
             <a:endParaRPr lang="en-US" dirty="0"/>
           </a:p>
@@ -2844,7 +2826,7 @@
           <a:p>
             <a:fld id="{D18B56EA-E28F-4F92-9F16-7A6F2501B303}" type="datetime8">
               <a:rPr lang="en-US" smtClean="0"/>
-              <a:t>3/6/20 3:34 PM</a:t>
+              <a:t>8/29/2020 6:48 PM</a:t>
             </a:fld>
             <a:endParaRPr lang="en-US" dirty="0"/>
           </a:p>
@@ -3025,7 +3007,7 @@
           <a:p>
             <a:fld id="{D18B56EA-E28F-4F92-9F16-7A6F2501B303}" type="datetime8">
               <a:rPr lang="en-US" smtClean="0"/>
-              <a:t>3/6/20 3:34 PM</a:t>
+              <a:t>8/29/2020 6:48 PM</a:t>
             </a:fld>
             <a:endParaRPr lang="en-US" dirty="0"/>
           </a:p>

--- a/02-appcatalogs.pptx
+++ b/02-appcatalogs.pptx
@@ -266,7 +266,7 @@
               <a:rPr lang="en-US" smtClean="0">
                 <a:latin typeface="Segoe UI" pitchFamily="34" charset="0"/>
               </a:rPr>
-              <a:t>8/29/2020 6:48 PM</a:t>
+              <a:t>5/27/2021 12:25 PM</a:t>
             </a:fld>
             <a:endParaRPr lang="en-US" dirty="0">
               <a:latin typeface="Segoe UI" pitchFamily="34" charset="0"/>
@@ -563,7 +563,7 @@
           <a:p>
             <a:fld id="{D18B56EA-E28F-4F92-9F16-7A6F2501B303}" type="datetime8">
               <a:rPr lang="en-US" smtClean="0"/>
-              <a:t>8/29/2020 6:48 PM</a:t>
+              <a:t>5/27/2021 12:25 PM</a:t>
             </a:fld>
             <a:endParaRPr lang="en-US" dirty="0"/>
           </a:p>
@@ -946,7 +946,7 @@
           <a:p>
             <a:fld id="{D18B56EA-E28F-4F92-9F16-7A6F2501B303}" type="datetime8">
               <a:rPr lang="en-US" smtClean="0"/>
-              <a:t>8/29/2020 6:48 PM</a:t>
+              <a:t>5/27/2021 12:25 PM</a:t>
             </a:fld>
             <a:endParaRPr lang="en-US" dirty="0"/>
           </a:p>
@@ -1127,7 +1127,7 @@
           <a:p>
             <a:fld id="{D18B56EA-E28F-4F92-9F16-7A6F2501B303}" type="datetime8">
               <a:rPr lang="en-US" smtClean="0"/>
-              <a:t>8/29/2020 6:48 PM</a:t>
+              <a:t>5/27/2021 12:25 PM</a:t>
             </a:fld>
             <a:endParaRPr lang="en-US" dirty="0"/>
           </a:p>
@@ -1308,7 +1308,7 @@
           <a:p>
             <a:fld id="{D18B56EA-E28F-4F92-9F16-7A6F2501B303}" type="datetime8">
               <a:rPr lang="en-US" smtClean="0"/>
-              <a:t>8/29/2020 6:48 PM</a:t>
+              <a:t>5/27/2021 12:25 PM</a:t>
             </a:fld>
             <a:endParaRPr lang="en-US" dirty="0"/>
           </a:p>
@@ -1525,7 +1525,7 @@
           <a:p>
             <a:fld id="{D18B56EA-E28F-4F92-9F16-7A6F2501B303}" type="datetime8">
               <a:rPr lang="en-US" smtClean="0"/>
-              <a:t>8/29/2020 6:48 PM</a:t>
+              <a:t>5/27/2021 12:25 PM</a:t>
             </a:fld>
             <a:endParaRPr lang="en-US" dirty="0"/>
           </a:p>
@@ -1948,7 +1948,7 @@
           <a:p>
             <a:fld id="{D18B56EA-E28F-4F92-9F16-7A6F2501B303}" type="datetime8">
               <a:rPr lang="en-US" smtClean="0"/>
-              <a:t>8/29/2020 6:48 PM</a:t>
+              <a:t>5/27/2021 12:25 PM</a:t>
             </a:fld>
             <a:endParaRPr lang="en-US" dirty="0"/>
           </a:p>
@@ -2062,15 +2062,7 @@
           <a:p>
             <a:r>
               <a:rPr lang="en-US" dirty="0"/>
-              <a:t>The [Office 365 CLI](https://</a:t>
-            </a:r>
-            <a:r>
-              <a:rPr lang="en-US" dirty="0" err="1"/>
-              <a:t>pnp.github.io</a:t>
-            </a:r>
-            <a:r>
-              <a:rPr lang="en-US" dirty="0"/>
-              <a:t>/office365-cli) contains commands that you can use to create and remove App Catalogs to and from site collections. First, connect to your SharePoint Online tenant by signing into your Tenant Admin Center and then use the `site </a:t>
+              <a:t>The [CLI for Microsoft 365](https://pnp.github.io/office365-cli) contains commands that you can use to create and remove App Catalogs to and from site collections. First, connect to your SharePoint Online tenant by signing into your Tenant Admin Center and then use the `site </a:t>
             </a:r>
             <a:r>
               <a:rPr lang="en-US" dirty="0" err="1"/>
@@ -2180,7 +2172,7 @@
           <a:p>
             <a:fld id="{D18B56EA-E28F-4F92-9F16-7A6F2501B303}" type="datetime8">
               <a:rPr lang="en-US" smtClean="0"/>
-              <a:t>8/29/2020 6:48 PM</a:t>
+              <a:t>5/27/2021 12:25 PM</a:t>
             </a:fld>
             <a:endParaRPr lang="en-US" dirty="0"/>
           </a:p>
@@ -2295,7 +2287,7 @@
           <a:p>
             <a:r>
               <a:rPr lang="en-US" dirty="0"/>
-              <a:t>Use the following commands to remove a site collection App Catalog using the Office 365 CLI:</a:t>
+              <a:t>Use the following commands to remove a site collection App Catalog using the CLI for Microsoft 365:</a:t>
             </a:r>
           </a:p>
         </p:txBody>
@@ -2394,7 +2386,7 @@
           <a:p>
             <a:fld id="{D18B56EA-E28F-4F92-9F16-7A6F2501B303}" type="datetime8">
               <a:rPr lang="en-US" smtClean="0"/>
-              <a:t>8/29/2020 6:48 PM</a:t>
+              <a:t>5/27/2021 12:25 PM</a:t>
             </a:fld>
             <a:endParaRPr lang="en-US" dirty="0"/>
           </a:p>
@@ -2645,7 +2637,7 @@
           <a:p>
             <a:fld id="{D18B56EA-E28F-4F92-9F16-7A6F2501B303}" type="datetime8">
               <a:rPr lang="en-US" smtClean="0"/>
-              <a:t>8/29/2020 6:48 PM</a:t>
+              <a:t>5/27/2021 12:25 PM</a:t>
             </a:fld>
             <a:endParaRPr lang="en-US" dirty="0"/>
           </a:p>
@@ -2826,7 +2818,7 @@
           <a:p>
             <a:fld id="{D18B56EA-E28F-4F92-9F16-7A6F2501B303}" type="datetime8">
               <a:rPr lang="en-US" smtClean="0"/>
-              <a:t>8/29/2020 6:48 PM</a:t>
+              <a:t>5/27/2021 12:25 PM</a:t>
             </a:fld>
             <a:endParaRPr lang="en-US" dirty="0"/>
           </a:p>
@@ -3007,7 +2999,7 @@
           <a:p>
             <a:fld id="{D18B56EA-E28F-4F92-9F16-7A6F2501B303}" type="datetime8">
               <a:rPr lang="en-US" smtClean="0"/>
-              <a:t>8/29/2020 6:48 PM</a:t>
+              <a:t>5/27/2021 12:25 PM</a:t>
             </a:fld>
             <a:endParaRPr lang="en-US" dirty="0"/>
           </a:p>
@@ -16895,7 +16887,7 @@
           <a:p>
             <a:r>
               <a:rPr lang="en-US" dirty="0"/>
-              <a:t>Office 365 CLI</a:t>
+              <a:t>CLI for Microsoft 365</a:t>
             </a:r>
           </a:p>
           <a:p>
@@ -17247,7 +17239,7 @@
           <a:p>
             <a:r>
               <a:rPr lang="en-US" dirty="0"/>
-              <a:t>Office 365 CLI</a:t>
+              <a:t>CLI for Microsoft 365</a:t>
             </a:r>
           </a:p>
           <a:p>

--- a/02-appcatalogs.pptx
+++ b/02-appcatalogs.pptx
@@ -266,7 +266,7 @@
               <a:rPr lang="en-US" smtClean="0">
                 <a:latin typeface="Segoe UI" pitchFamily="34" charset="0"/>
               </a:rPr>
-              <a:t>5/27/2021 12:25 PM</a:t>
+              <a:t>11/13/2021 9:17 AM</a:t>
             </a:fld>
             <a:endParaRPr lang="en-US" dirty="0">
               <a:latin typeface="Segoe UI" pitchFamily="34" charset="0"/>
@@ -563,7 +563,7 @@
           <a:p>
             <a:fld id="{D18B56EA-E28F-4F92-9F16-7A6F2501B303}" type="datetime8">
               <a:rPr lang="en-US" smtClean="0"/>
-              <a:t>5/27/2021 12:25 PM</a:t>
+              <a:t>11/13/2021 9:17 AM</a:t>
             </a:fld>
             <a:endParaRPr lang="en-US" dirty="0"/>
           </a:p>
@@ -946,7 +946,7 @@
           <a:p>
             <a:fld id="{D18B56EA-E28F-4F92-9F16-7A6F2501B303}" type="datetime8">
               <a:rPr lang="en-US" smtClean="0"/>
-              <a:t>5/27/2021 12:25 PM</a:t>
+              <a:t>11/13/2021 9:17 AM</a:t>
             </a:fld>
             <a:endParaRPr lang="en-US" dirty="0"/>
           </a:p>
@@ -1127,7 +1127,7 @@
           <a:p>
             <a:fld id="{D18B56EA-E28F-4F92-9F16-7A6F2501B303}" type="datetime8">
               <a:rPr lang="en-US" smtClean="0"/>
-              <a:t>5/27/2021 12:25 PM</a:t>
+              <a:t>11/13/2021 9:17 AM</a:t>
             </a:fld>
             <a:endParaRPr lang="en-US" dirty="0"/>
           </a:p>
@@ -1308,7 +1308,7 @@
           <a:p>
             <a:fld id="{D18B56EA-E28F-4F92-9F16-7A6F2501B303}" type="datetime8">
               <a:rPr lang="en-US" smtClean="0"/>
-              <a:t>5/27/2021 12:25 PM</a:t>
+              <a:t>11/13/2021 9:17 AM</a:t>
             </a:fld>
             <a:endParaRPr lang="en-US" dirty="0"/>
           </a:p>
@@ -1525,7 +1525,7 @@
           <a:p>
             <a:fld id="{D18B56EA-E28F-4F92-9F16-7A6F2501B303}" type="datetime8">
               <a:rPr lang="en-US" smtClean="0"/>
-              <a:t>5/27/2021 12:25 PM</a:t>
+              <a:t>11/13/2021 9:17 AM</a:t>
             </a:fld>
             <a:endParaRPr lang="en-US" dirty="0"/>
           </a:p>
@@ -1948,7 +1948,7 @@
           <a:p>
             <a:fld id="{D18B56EA-E28F-4F92-9F16-7A6F2501B303}" type="datetime8">
               <a:rPr lang="en-US" smtClean="0"/>
-              <a:t>5/27/2021 12:25 PM</a:t>
+              <a:t>11/13/2021 9:17 AM</a:t>
             </a:fld>
             <a:endParaRPr lang="en-US" dirty="0"/>
           </a:p>
@@ -2172,7 +2172,7 @@
           <a:p>
             <a:fld id="{D18B56EA-E28F-4F92-9F16-7A6F2501B303}" type="datetime8">
               <a:rPr lang="en-US" smtClean="0"/>
-              <a:t>5/27/2021 12:25 PM</a:t>
+              <a:t>11/13/2021 9:17 AM</a:t>
             </a:fld>
             <a:endParaRPr lang="en-US" dirty="0"/>
           </a:p>
@@ -2386,7 +2386,7 @@
           <a:p>
             <a:fld id="{D18B56EA-E28F-4F92-9F16-7A6F2501B303}" type="datetime8">
               <a:rPr lang="en-US" smtClean="0"/>
-              <a:t>5/27/2021 12:25 PM</a:t>
+              <a:t>11/13/2021 9:17 AM</a:t>
             </a:fld>
             <a:endParaRPr lang="en-US" dirty="0"/>
           </a:p>
@@ -2637,7 +2637,7 @@
           <a:p>
             <a:fld id="{D18B56EA-E28F-4F92-9F16-7A6F2501B303}" type="datetime8">
               <a:rPr lang="en-US" smtClean="0"/>
-              <a:t>5/27/2021 12:25 PM</a:t>
+              <a:t>11/13/2021 9:17 AM</a:t>
             </a:fld>
             <a:endParaRPr lang="en-US" dirty="0"/>
           </a:p>
@@ -2818,7 +2818,7 @@
           <a:p>
             <a:fld id="{D18B56EA-E28F-4F92-9F16-7A6F2501B303}" type="datetime8">
               <a:rPr lang="en-US" smtClean="0"/>
-              <a:t>5/27/2021 12:25 PM</a:t>
+              <a:t>11/13/2021 9:17 AM</a:t>
             </a:fld>
             <a:endParaRPr lang="en-US" dirty="0"/>
           </a:p>
@@ -2999,7 +2999,7 @@
           <a:p>
             <a:fld id="{D18B56EA-E28F-4F92-9F16-7A6F2501B303}" type="datetime8">
               <a:rPr lang="en-US" smtClean="0"/>
-              <a:t>5/27/2021 12:25 PM</a:t>
+              <a:t>11/13/2021 9:17 AM</a:t>
             </a:fld>
             <a:endParaRPr lang="en-US" dirty="0"/>
           </a:p>
@@ -16896,11 +16896,23 @@
               <a:rPr lang="en-US" dirty="0">
                 <a:hlinkClick r:id="rId4"/>
               </a:rPr>
-              <a:t>https://pnp.github.io/office365-cli</a:t>
-            </a:r>
-            <a:r>
-              <a:rPr lang="en-US" dirty="0"/>
-              <a:t> </a:t>
+              <a:t>https://pnp.github.io/cli-microsoft365</a:t>
+            </a:r>
+            <a:r>
+              <a:rPr lang="en-US" dirty="0"/>
+              <a:t> </a:t>
+            </a:r>
+          </a:p>
+          <a:p>
+            <a:pPr marL="228600" lvl="1" indent="0">
+              <a:buNone/>
+            </a:pPr>
+            <a:r>
+              <a:rPr lang="en-US" sz="1600" dirty="0">
+                <a:latin typeface="Courier New" panose="02070309020205020404" pitchFamily="49" charset="0"/>
+                <a:cs typeface="Courier New" panose="02070309020205020404" pitchFamily="49" charset="0"/>
+              </a:rPr>
+              <a:t>$ m365 login</a:t>
             </a:r>
           </a:p>
           <a:p>
@@ -16915,97 +16927,18 @@
               <a:t>$ </a:t>
             </a:r>
             <a:r>
-              <a:rPr lang="en-US" sz="1600" dirty="0" err="1">
+              <a:rPr lang="it-IT" sz="1600" dirty="0">
                 <a:latin typeface="Courier New" panose="02070309020205020404" pitchFamily="49" charset="0"/>
                 <a:cs typeface="Courier New" panose="02070309020205020404" pitchFamily="49" charset="0"/>
               </a:rPr>
-              <a:t>spo</a:t>
+              <a:t>m365 spo site appcatalog add --url</a:t>
             </a:r>
             <a:r>
               <a:rPr lang="en-US" sz="1600" dirty="0">
                 <a:latin typeface="Courier New" panose="02070309020205020404" pitchFamily="49" charset="0"/>
                 <a:cs typeface="Courier New" panose="02070309020205020404" pitchFamily="49" charset="0"/>
               </a:rPr>
-              <a:t> connect https://</a:t>
-            </a:r>
-            <a:r>
-              <a:rPr lang="en-US" sz="1600" dirty="0" err="1">
-                <a:latin typeface="Courier New" panose="02070309020205020404" pitchFamily="49" charset="0"/>
-                <a:cs typeface="Courier New" panose="02070309020205020404" pitchFamily="49" charset="0"/>
-              </a:rPr>
-              <a:t>contoso-admin.sharepoint.com</a:t>
-            </a:r>
-            <a:endParaRPr lang="en-US" sz="1600" dirty="0">
-              <a:latin typeface="Courier New" panose="02070309020205020404" pitchFamily="49" charset="0"/>
-              <a:cs typeface="Courier New" panose="02070309020205020404" pitchFamily="49" charset="0"/>
-            </a:endParaRPr>
-          </a:p>
-          <a:p>
-            <a:pPr marL="228600" lvl="1" indent="0">
-              <a:buNone/>
-            </a:pPr>
-            <a:r>
-              <a:rPr lang="en-US" sz="1600" dirty="0">
-                <a:latin typeface="Courier New" panose="02070309020205020404" pitchFamily="49" charset="0"/>
-                <a:cs typeface="Courier New" panose="02070309020205020404" pitchFamily="49" charset="0"/>
-              </a:rPr>
-              <a:t>$ </a:t>
-            </a:r>
-            <a:r>
-              <a:rPr lang="en-US" sz="1600" dirty="0" err="1">
-                <a:latin typeface="Courier New" panose="02070309020205020404" pitchFamily="49" charset="0"/>
-                <a:cs typeface="Courier New" panose="02070309020205020404" pitchFamily="49" charset="0"/>
-              </a:rPr>
-              <a:t>spo</a:t>
-            </a:r>
-            <a:r>
-              <a:rPr lang="en-US" sz="1600" dirty="0">
-                <a:latin typeface="Courier New" panose="02070309020205020404" pitchFamily="49" charset="0"/>
-                <a:cs typeface="Courier New" panose="02070309020205020404" pitchFamily="49" charset="0"/>
-              </a:rPr>
-              <a:t> site </a:t>
-            </a:r>
-            <a:r>
-              <a:rPr lang="en-US" sz="1600" dirty="0" err="1">
-                <a:latin typeface="Courier New" panose="02070309020205020404" pitchFamily="49" charset="0"/>
-                <a:cs typeface="Courier New" panose="02070309020205020404" pitchFamily="49" charset="0"/>
-              </a:rPr>
-              <a:t>appcatalog</a:t>
-            </a:r>
-            <a:r>
-              <a:rPr lang="en-US" sz="1600" dirty="0">
-                <a:latin typeface="Courier New" panose="02070309020205020404" pitchFamily="49" charset="0"/>
-                <a:cs typeface="Courier New" panose="02070309020205020404" pitchFamily="49" charset="0"/>
-              </a:rPr>
-              <a:t> add --</a:t>
-            </a:r>
-            <a:r>
-              <a:rPr lang="en-US" sz="1600" dirty="0" err="1">
-                <a:latin typeface="Courier New" panose="02070309020205020404" pitchFamily="49" charset="0"/>
-                <a:cs typeface="Courier New" panose="02070309020205020404" pitchFamily="49" charset="0"/>
-              </a:rPr>
-              <a:t>url</a:t>
-            </a:r>
-            <a:r>
-              <a:rPr lang="en-US" sz="1600" dirty="0">
-                <a:latin typeface="Courier New" panose="02070309020205020404" pitchFamily="49" charset="0"/>
-                <a:cs typeface="Courier New" panose="02070309020205020404" pitchFamily="49" charset="0"/>
-              </a:rPr>
-              <a:t> https://</a:t>
-            </a:r>
-            <a:r>
-              <a:rPr lang="en-US" sz="1600" dirty="0" err="1">
-                <a:latin typeface="Courier New" panose="02070309020205020404" pitchFamily="49" charset="0"/>
-                <a:cs typeface="Courier New" panose="02070309020205020404" pitchFamily="49" charset="0"/>
-              </a:rPr>
-              <a:t>contoso.sharepoint</a:t>
-            </a:r>
-            <a:r>
-              <a:rPr lang="en-US" sz="1600" dirty="0">
-                <a:latin typeface="Courier New" panose="02070309020205020404" pitchFamily="49" charset="0"/>
-                <a:cs typeface="Courier New" panose="02070309020205020404" pitchFamily="49" charset="0"/>
-              </a:rPr>
-              <a:t>/sites/test-site</a:t>
+              <a:t> https://contoso.sharepoint/sites/test-site</a:t>
             </a:r>
           </a:p>
         </p:txBody>
@@ -17248,7 +17181,7 @@
               <a:rPr lang="en-US" dirty="0">
                 <a:hlinkClick r:id="rId4"/>
               </a:rPr>
-              <a:t>https://pnp.github.io/office365-cli</a:t>
+              <a:t>https://pnp.github.io/cli-microsoft365</a:t>
             </a:r>
             <a:r>
               <a:rPr lang="en-US" dirty="0"/>
@@ -17264,7 +17197,19 @@
                 <a:latin typeface="Courier New" panose="02070309020205020404" pitchFamily="49" charset="0"/>
                 <a:cs typeface="Courier New" panose="02070309020205020404" pitchFamily="49" charset="0"/>
               </a:rPr>
-              <a:t>$ </a:t>
+              <a:t>$ m365 login</a:t>
+            </a:r>
+          </a:p>
+          <a:p>
+            <a:pPr marL="228600" lvl="1" indent="0">
+              <a:buNone/>
+            </a:pPr>
+            <a:r>
+              <a:rPr lang="en-US" sz="1600" dirty="0">
+                <a:latin typeface="Courier New" panose="02070309020205020404" pitchFamily="49" charset="0"/>
+                <a:cs typeface="Courier New" panose="02070309020205020404" pitchFamily="49" charset="0"/>
+              </a:rPr>
+              <a:t>$ m365 </a:t>
             </a:r>
             <a:r>
               <a:rPr lang="en-US" sz="1600" dirty="0" err="1">
@@ -17278,43 +17223,6 @@
                 <a:latin typeface="Courier New" panose="02070309020205020404" pitchFamily="49" charset="0"/>
                 <a:cs typeface="Courier New" panose="02070309020205020404" pitchFamily="49" charset="0"/>
               </a:rPr>
-              <a:t> connect https://</a:t>
-            </a:r>
-            <a:r>
-              <a:rPr lang="en-US" sz="1600" dirty="0" err="1">
-                <a:latin typeface="Courier New" panose="02070309020205020404" pitchFamily="49" charset="0"/>
-                <a:cs typeface="Courier New" panose="02070309020205020404" pitchFamily="49" charset="0"/>
-              </a:rPr>
-              <a:t>contoso-admin.sharepoint.com</a:t>
-            </a:r>
-            <a:endParaRPr lang="en-US" sz="1600" dirty="0">
-              <a:latin typeface="Courier New" panose="02070309020205020404" pitchFamily="49" charset="0"/>
-              <a:cs typeface="Courier New" panose="02070309020205020404" pitchFamily="49" charset="0"/>
-            </a:endParaRPr>
-          </a:p>
-          <a:p>
-            <a:pPr marL="228600" lvl="1" indent="0">
-              <a:buNone/>
-            </a:pPr>
-            <a:r>
-              <a:rPr lang="en-US" sz="1600" dirty="0">
-                <a:latin typeface="Courier New" panose="02070309020205020404" pitchFamily="49" charset="0"/>
-                <a:cs typeface="Courier New" panose="02070309020205020404" pitchFamily="49" charset="0"/>
-              </a:rPr>
-              <a:t>$ </a:t>
-            </a:r>
-            <a:r>
-              <a:rPr lang="en-US" sz="1600" dirty="0" err="1">
-                <a:latin typeface="Courier New" panose="02070309020205020404" pitchFamily="49" charset="0"/>
-                <a:cs typeface="Courier New" panose="02070309020205020404" pitchFamily="49" charset="0"/>
-              </a:rPr>
-              <a:t>spo</a:t>
-            </a:r>
-            <a:r>
-              <a:rPr lang="en-US" sz="1600" dirty="0">
-                <a:latin typeface="Courier New" panose="02070309020205020404" pitchFamily="49" charset="0"/>
-                <a:cs typeface="Courier New" panose="02070309020205020404" pitchFamily="49" charset="0"/>
-              </a:rPr>
               <a:t> site </a:t>
             </a:r>
             <a:r>
@@ -17343,21 +17251,7 @@
                 <a:latin typeface="Courier New" panose="02070309020205020404" pitchFamily="49" charset="0"/>
                 <a:cs typeface="Courier New" panose="02070309020205020404" pitchFamily="49" charset="0"/>
               </a:rPr>
-              <a:t> https://</a:t>
-            </a:r>
-            <a:r>
-              <a:rPr lang="en-US" sz="1600" dirty="0" err="1">
-                <a:latin typeface="Courier New" panose="02070309020205020404" pitchFamily="49" charset="0"/>
-                <a:cs typeface="Courier New" panose="02070309020205020404" pitchFamily="49" charset="0"/>
-              </a:rPr>
-              <a:t>contoso.sharepoint</a:t>
-            </a:r>
-            <a:r>
-              <a:rPr lang="en-US" sz="1600" dirty="0">
-                <a:latin typeface="Courier New" panose="02070309020205020404" pitchFamily="49" charset="0"/>
-                <a:cs typeface="Courier New" panose="02070309020205020404" pitchFamily="49" charset="0"/>
-              </a:rPr>
-              <a:t>/sites/test-site</a:t>
+              <a:t> https://contoso.sharepoint/sites/test-site</a:t>
             </a:r>
           </a:p>
           <a:p>

--- a/02-appcatalogs.pptx
+++ b/02-appcatalogs.pptx
@@ -266,7 +266,7 @@
               <a:rPr lang="en-US" smtClean="0">
                 <a:latin typeface="Segoe UI" pitchFamily="34" charset="0"/>
               </a:rPr>
-              <a:t>11/13/2021 9:17 AM</a:t>
+              <a:t>4/27/2022 4:11 PM</a:t>
             </a:fld>
             <a:endParaRPr lang="en-US" dirty="0">
               <a:latin typeface="Segoe UI" pitchFamily="34" charset="0"/>
@@ -563,7 +563,7 @@
           <a:p>
             <a:fld id="{D18B56EA-E28F-4F92-9F16-7A6F2501B303}" type="datetime8">
               <a:rPr lang="en-US" smtClean="0"/>
-              <a:t>11/13/2021 9:17 AM</a:t>
+              <a:t>4/27/2022 4:11 PM</a:t>
             </a:fld>
             <a:endParaRPr lang="en-US" dirty="0"/>
           </a:p>
@@ -946,7 +946,7 @@
           <a:p>
             <a:fld id="{D18B56EA-E28F-4F92-9F16-7A6F2501B303}" type="datetime8">
               <a:rPr lang="en-US" smtClean="0"/>
-              <a:t>11/13/2021 9:17 AM</a:t>
+              <a:t>4/27/2022 4:11 PM</a:t>
             </a:fld>
             <a:endParaRPr lang="en-US" dirty="0"/>
           </a:p>
@@ -1127,7 +1127,7 @@
           <a:p>
             <a:fld id="{D18B56EA-E28F-4F92-9F16-7A6F2501B303}" type="datetime8">
               <a:rPr lang="en-US" smtClean="0"/>
-              <a:t>11/13/2021 9:17 AM</a:t>
+              <a:t>4/27/2022 4:11 PM</a:t>
             </a:fld>
             <a:endParaRPr lang="en-US" dirty="0"/>
           </a:p>
@@ -1308,7 +1308,7 @@
           <a:p>
             <a:fld id="{D18B56EA-E28F-4F92-9F16-7A6F2501B303}" type="datetime8">
               <a:rPr lang="en-US" smtClean="0"/>
-              <a:t>11/13/2021 9:17 AM</a:t>
+              <a:t>4/27/2022 4:11 PM</a:t>
             </a:fld>
             <a:endParaRPr lang="en-US" dirty="0"/>
           </a:p>
@@ -1525,7 +1525,7 @@
           <a:p>
             <a:fld id="{D18B56EA-E28F-4F92-9F16-7A6F2501B303}" type="datetime8">
               <a:rPr lang="en-US" smtClean="0"/>
-              <a:t>11/13/2021 9:17 AM</a:t>
+              <a:t>4/27/2022 4:11 PM</a:t>
             </a:fld>
             <a:endParaRPr lang="en-US" dirty="0"/>
           </a:p>
@@ -1614,7 +1614,7 @@
           <a:p>
             <a:r>
               <a:rPr lang="en-US" dirty="0"/>
-              <a:t>The tenant-scoped App Catalog was initially introduced to SharePoint in the SharePoint Server 2013 release. It is available in all subsequent on-premises SharePoint Server releases and SharePoint Online.</a:t>
+              <a:t>The tenant-scoped App Catalog was initially introduced to SharePoint in the SharePoint Server 2013 release. It’s available in all subsequent on-premises SharePoint Server releases and SharePoint Online.</a:t>
             </a:r>
           </a:p>
           <a:p>
@@ -1632,15 +1632,7 @@
           <a:p>
             <a:r>
               <a:rPr lang="en-US" dirty="0"/>
-              <a:t>Starting in SharePoint Server 2019 and in SharePoint Online, when deploying a SharePoint package to the tenant App Catalog, you can optionally have web parts installed to all site collections in the tenant. For this option to be available when deploying the package, the developer must enable it in the **./</a:t>
-            </a:r>
-            <a:r>
-              <a:rPr lang="en-US" dirty="0" err="1"/>
-              <a:t>src</a:t>
-            </a:r>
-            <a:r>
-              <a:rPr lang="en-US" dirty="0"/>
-              <a:t>/package-</a:t>
+              <a:t>Starting in SharePoint Server 2019 and in SharePoint Online, when deploying a SharePoint package to the tenant App Catalog, you can optionally have web parts installed to all site collections in the tenant. For this option to be available when deploying the package, the developer must enable it in the **./config/package-</a:t>
             </a:r>
             <a:r>
               <a:rPr lang="en-US" dirty="0" err="1"/>
@@ -1948,7 +1940,7 @@
           <a:p>
             <a:fld id="{D18B56EA-E28F-4F92-9F16-7A6F2501B303}" type="datetime8">
               <a:rPr lang="en-US" smtClean="0"/>
-              <a:t>11/13/2021 9:17 AM</a:t>
+              <a:t>4/27/2022 4:11 PM</a:t>
             </a:fld>
             <a:endParaRPr lang="en-US" dirty="0"/>
           </a:p>
@@ -2037,15 +2029,7 @@
           <a:p>
             <a:r>
               <a:rPr lang="en-US" dirty="0"/>
-              <a:t>The [SharePoint Online PowerShell](https://</a:t>
-            </a:r>
-            <a:r>
-              <a:rPr lang="en-US" dirty="0" err="1"/>
-              <a:t>technet.microsoft.com</a:t>
-            </a:r>
-            <a:r>
-              <a:rPr lang="en-US" dirty="0"/>
-              <a:t>/library/fp161388.aspx) contains cmdlets that you can use to create and remove App Catalogs to and from site collections. First, connect to your SharePoint Online tenant by signing into your Tenant Admin Center and then use the `Add-</a:t>
+              <a:t>The [SharePoint Online PowerShell](https://docs.microsoft.com/en-us/powershell/sharepoint/sharepoint-online/introduction-sharepoint-online-management-shell) contains cmdlets that you can use to create and remove App Catalogs to and from site collections. First, connect to your SharePoint Online tenant by signing into your Tenant Admin Center and then use the `Add-</a:t>
             </a:r>
             <a:r>
               <a:rPr lang="en-US" dirty="0" err="1"/>
@@ -2172,7 +2156,7 @@
           <a:p>
             <a:fld id="{D18B56EA-E28F-4F92-9F16-7A6F2501B303}" type="datetime8">
               <a:rPr lang="en-US" smtClean="0"/>
-              <a:t>11/13/2021 9:17 AM</a:t>
+              <a:t>4/27/2022 4:11 PM</a:t>
             </a:fld>
             <a:endParaRPr lang="en-US" dirty="0"/>
           </a:p>
@@ -2386,7 +2370,7 @@
           <a:p>
             <a:fld id="{D18B56EA-E28F-4F92-9F16-7A6F2501B303}" type="datetime8">
               <a:rPr lang="en-US" smtClean="0"/>
-              <a:t>11/13/2021 9:17 AM</a:t>
+              <a:t>4/27/2022 4:11 PM</a:t>
             </a:fld>
             <a:endParaRPr lang="en-US" dirty="0"/>
           </a:p>
@@ -2637,7 +2621,7 @@
           <a:p>
             <a:fld id="{D18B56EA-E28F-4F92-9F16-7A6F2501B303}" type="datetime8">
               <a:rPr lang="en-US" smtClean="0"/>
-              <a:t>11/13/2021 9:17 AM</a:t>
+              <a:t>4/27/2022 4:11 PM</a:t>
             </a:fld>
             <a:endParaRPr lang="en-US" dirty="0"/>
           </a:p>
@@ -2818,7 +2802,7 @@
           <a:p>
             <a:fld id="{D18B56EA-E28F-4F92-9F16-7A6F2501B303}" type="datetime8">
               <a:rPr lang="en-US" smtClean="0"/>
-              <a:t>11/13/2021 9:17 AM</a:t>
+              <a:t>4/27/2022 4:11 PM</a:t>
             </a:fld>
             <a:endParaRPr lang="en-US" dirty="0"/>
           </a:p>
@@ -2999,7 +2983,7 @@
           <a:p>
             <a:fld id="{D18B56EA-E28F-4F92-9F16-7A6F2501B303}" type="datetime8">
               <a:rPr lang="en-US" smtClean="0"/>
-              <a:t>11/13/2021 9:17 AM</a:t>
+              <a:t>4/27/2022 4:11 PM</a:t>
             </a:fld>
             <a:endParaRPr lang="en-US" dirty="0"/>
           </a:p>
@@ -16744,7 +16728,7 @@
         <p:spPr>
           <a:xfrm>
             <a:off x="464399" y="1212850"/>
-            <a:ext cx="11972075" cy="4653582"/>
+            <a:ext cx="11972075" cy="4902881"/>
           </a:xfrm>
         </p:spPr>
         <p:txBody>
@@ -16783,7 +16767,7 @@
               <a:rPr lang="en-US" dirty="0">
                 <a:hlinkClick r:id="rId3"/>
               </a:rPr>
-              <a:t>https://technet.microsoft.com/en-us/library/fp161388.aspx</a:t>
+              <a:t>https://docs.microsoft.com/en-us/powershell/sharepoint/sharepoint-online/introduction-sharepoint-online-management-shell</a:t>
             </a:r>
             <a:r>
               <a:rPr lang="en-US" dirty="0"/>
@@ -17028,7 +17012,7 @@
         <p:spPr>
           <a:xfrm>
             <a:off x="464400" y="1212850"/>
-            <a:ext cx="11865860" cy="4952125"/>
+            <a:ext cx="11865860" cy="4342727"/>
           </a:xfrm>
         </p:spPr>
         <p:txBody>
@@ -17059,20 +17043,7 @@
           <a:p>
             <a:r>
               <a:rPr lang="en-US" dirty="0"/>
-              <a:t>SharePoint Online PowerShell</a:t>
-            </a:r>
-          </a:p>
-          <a:p>
-            <a:pPr lvl="1"/>
-            <a:r>
-              <a:rPr lang="en-US" dirty="0">
-                <a:hlinkClick r:id="rId3"/>
-              </a:rPr>
-              <a:t>https://technet.microsoft.com/en-us/library/fp161388.aspx</a:t>
-            </a:r>
-            <a:r>
-              <a:rPr lang="en-US" dirty="0"/>
-              <a:t> </a:t>
+              <a:t>SharePoint Online PowerShell </a:t>
             </a:r>
           </a:p>
           <a:p>
@@ -17173,19 +17144,6 @@
             <a:r>
               <a:rPr lang="en-US" dirty="0"/>
               <a:t>CLI for Microsoft 365</a:t>
-            </a:r>
-          </a:p>
-          <a:p>
-            <a:pPr lvl="1"/>
-            <a:r>
-              <a:rPr lang="en-US" dirty="0">
-                <a:hlinkClick r:id="rId4"/>
-              </a:rPr>
-              <a:t>https://pnp.github.io/cli-microsoft365</a:t>
-            </a:r>
-            <a:r>
-              <a:rPr lang="en-US" dirty="0"/>
-              <a:t> </a:t>
             </a:r>
           </a:p>
           <a:p>

--- a/02-appcatalogs.pptx
+++ b/02-appcatalogs.pptx
@@ -266,7 +266,7 @@
               <a:rPr lang="en-US" smtClean="0">
                 <a:latin typeface="Segoe UI" pitchFamily="34" charset="0"/>
               </a:rPr>
-              <a:t>4/27/2022 4:11 PM</a:t>
+              <a:t>11/19/2022 4:12 PM</a:t>
             </a:fld>
             <a:endParaRPr lang="en-US" dirty="0">
               <a:latin typeface="Segoe UI" pitchFamily="34" charset="0"/>
@@ -563,7 +563,7 @@
           <a:p>
             <a:fld id="{D18B56EA-E28F-4F92-9F16-7A6F2501B303}" type="datetime8">
               <a:rPr lang="en-US" smtClean="0"/>
-              <a:t>4/27/2022 4:11 PM</a:t>
+              <a:t>11/19/2022 4:12 PM</a:t>
             </a:fld>
             <a:endParaRPr lang="en-US" dirty="0"/>
           </a:p>
@@ -946,7 +946,7 @@
           <a:p>
             <a:fld id="{D18B56EA-E28F-4F92-9F16-7A6F2501B303}" type="datetime8">
               <a:rPr lang="en-US" smtClean="0"/>
-              <a:t>4/27/2022 4:11 PM</a:t>
+              <a:t>11/19/2022 4:12 PM</a:t>
             </a:fld>
             <a:endParaRPr lang="en-US" dirty="0"/>
           </a:p>
@@ -1127,7 +1127,7 @@
           <a:p>
             <a:fld id="{D18B56EA-E28F-4F92-9F16-7A6F2501B303}" type="datetime8">
               <a:rPr lang="en-US" smtClean="0"/>
-              <a:t>4/27/2022 4:11 PM</a:t>
+              <a:t>11/19/2022 4:12 PM</a:t>
             </a:fld>
             <a:endParaRPr lang="en-US" dirty="0"/>
           </a:p>
@@ -1308,7 +1308,7 @@
           <a:p>
             <a:fld id="{D18B56EA-E28F-4F92-9F16-7A6F2501B303}" type="datetime8">
               <a:rPr lang="en-US" smtClean="0"/>
-              <a:t>4/27/2022 4:11 PM</a:t>
+              <a:t>11/19/2022 4:12 PM</a:t>
             </a:fld>
             <a:endParaRPr lang="en-US" dirty="0"/>
           </a:p>
@@ -1525,7 +1525,7 @@
           <a:p>
             <a:fld id="{D18B56EA-E28F-4F92-9F16-7A6F2501B303}" type="datetime8">
               <a:rPr lang="en-US" smtClean="0"/>
-              <a:t>4/27/2022 4:11 PM</a:t>
+              <a:t>11/19/2022 4:12 PM</a:t>
             </a:fld>
             <a:endParaRPr lang="en-US" dirty="0"/>
           </a:p>
@@ -1940,7 +1940,7 @@
           <a:p>
             <a:fld id="{D18B56EA-E28F-4F92-9F16-7A6F2501B303}" type="datetime8">
               <a:rPr lang="en-US" smtClean="0"/>
-              <a:t>4/27/2022 4:11 PM</a:t>
+              <a:t>11/19/2022 4:12 PM</a:t>
             </a:fld>
             <a:endParaRPr lang="en-US" dirty="0"/>
           </a:p>
@@ -2156,7 +2156,7 @@
           <a:p>
             <a:fld id="{D18B56EA-E28F-4F92-9F16-7A6F2501B303}" type="datetime8">
               <a:rPr lang="en-US" smtClean="0"/>
-              <a:t>4/27/2022 4:11 PM</a:t>
+              <a:t>11/19/2022 4:12 PM</a:t>
             </a:fld>
             <a:endParaRPr lang="en-US" dirty="0"/>
           </a:p>
@@ -2370,7 +2370,7 @@
           <a:p>
             <a:fld id="{D18B56EA-E28F-4F92-9F16-7A6F2501B303}" type="datetime8">
               <a:rPr lang="en-US" smtClean="0"/>
-              <a:t>4/27/2022 4:11 PM</a:t>
+              <a:t>11/19/2022 4:12 PM</a:t>
             </a:fld>
             <a:endParaRPr lang="en-US" dirty="0"/>
           </a:p>
@@ -2621,7 +2621,7 @@
           <a:p>
             <a:fld id="{D18B56EA-E28F-4F92-9F16-7A6F2501B303}" type="datetime8">
               <a:rPr lang="en-US" smtClean="0"/>
-              <a:t>4/27/2022 4:11 PM</a:t>
+              <a:t>11/19/2022 4:12 PM</a:t>
             </a:fld>
             <a:endParaRPr lang="en-US" dirty="0"/>
           </a:p>
@@ -2802,7 +2802,7 @@
           <a:p>
             <a:fld id="{D18B56EA-E28F-4F92-9F16-7A6F2501B303}" type="datetime8">
               <a:rPr lang="en-US" smtClean="0"/>
-              <a:t>4/27/2022 4:11 PM</a:t>
+              <a:t>11/19/2022 4:12 PM</a:t>
             </a:fld>
             <a:endParaRPr lang="en-US" dirty="0"/>
           </a:p>
@@ -2983,7 +2983,7 @@
           <a:p>
             <a:fld id="{D18B56EA-E28F-4F92-9F16-7A6F2501B303}" type="datetime8">
               <a:rPr lang="en-US" smtClean="0"/>
-              <a:t>4/27/2022 4:11 PM</a:t>
+              <a:t>11/19/2022 4:12 PM</a:t>
             </a:fld>
             <a:endParaRPr lang="en-US" dirty="0"/>
           </a:p>
@@ -15957,7 +15957,7 @@
                 <a:latin typeface="+mj-lt"/>
                 <a:hlinkClick r:id="rId3"/>
               </a:rPr>
-              <a:t>https://docs.microsoft.com/sharepoint/dev/spfx/sharepoint-framework-overview</a:t>
+              <a:t>https://learn.microsoft.com/sharepoint/dev/spfx/sharepoint-framework-overview</a:t>
             </a:r>
             <a:endParaRPr lang="en-US" sz="1800" dirty="0">
               <a:latin typeface="+mj-lt"/>
@@ -16012,35 +16012,7 @@
                 <a:latin typeface="+mj-lt"/>
                 <a:hlinkClick r:id="rId4"/>
               </a:rPr>
-              <a:t>https://</a:t>
-            </a:r>
-            <a:r>
-              <a:rPr lang="en-US" sz="1600" dirty="0" err="1">
-                <a:latin typeface="+mj-lt"/>
-                <a:hlinkClick r:id="rId4"/>
-              </a:rPr>
-              <a:t>docs.microsoft.com</a:t>
-            </a:r>
-            <a:r>
-              <a:rPr lang="en-US" sz="1600" dirty="0">
-                <a:latin typeface="+mj-lt"/>
-                <a:hlinkClick r:id="rId4"/>
-              </a:rPr>
-              <a:t>/</a:t>
-            </a:r>
-            <a:r>
-              <a:rPr lang="en-US" sz="1600" dirty="0" err="1">
-                <a:latin typeface="+mj-lt"/>
-                <a:hlinkClick r:id="rId4"/>
-              </a:rPr>
-              <a:t>sharepoint</a:t>
-            </a:r>
-            <a:r>
-              <a:rPr lang="en-US" sz="1600" dirty="0">
-                <a:latin typeface="+mj-lt"/>
-                <a:hlinkClick r:id="rId4"/>
-              </a:rPr>
-              <a:t>/dev/general-development/site-collection-app-catalog</a:t>
+              <a:t>https://learn.microsoft.com/sharepoint/dev/general-development/site-collection-app-catalog</a:t>
             </a:r>
             <a:r>
               <a:rPr lang="en-US" sz="1600" dirty="0">
@@ -16767,7 +16739,7 @@
               <a:rPr lang="en-US" dirty="0">
                 <a:hlinkClick r:id="rId3"/>
               </a:rPr>
-              <a:t>https://docs.microsoft.com/en-us/powershell/sharepoint/sharepoint-online/introduction-sharepoint-online-management-shell</a:t>
+              <a:t>https://learn.microsoft.com/en-us/powershell/sharepoint/sharepoint-online/introduction-sharepoint-online-management-shell</a:t>
             </a:r>
             <a:r>
               <a:rPr lang="en-US" dirty="0"/>
